--- a/Presentation.pptx
+++ b/Presentation.pptx
@@ -10,7 +10,7 @@
     <p:sldId id="260" r:id="rId4"/>
     <p:sldId id="259" r:id="rId5"/>
     <p:sldId id="258" r:id="rId6"/>
-    <p:sldId id="261" r:id="rId7"/>
+    <p:sldId id="262" r:id="rId7"/>
   </p:sldIdLst>
   <p:sldSz cx="12192000" cy="6858000"/>
   <p:notesSz cx="6858000" cy="9144000"/>
@@ -109,6 +109,11 @@
       </a:defRPr>
     </a:lvl9pPr>
   </p:defaultTextStyle>
+  <p:extLst>
+    <p:ext uri="{EFAFB233-063F-42B5-8137-9DF3F51BA10A}">
+      <p15:sldGuideLst xmlns:p15="http://schemas.microsoft.com/office/powerpoint/2012/main"/>
+    </p:ext>
+  </p:extLst>
 </p:presentation>
 </file>
 
@@ -243,7 +248,7 @@
           <a:p>
             <a:fld id="{CDC54083-5E77-40A2-BF7F-593D80E5935C}" type="datetimeFigureOut">
               <a:rPr lang="en-US" smtClean="0"/>
-              <a:t>12/12/2019</a:t>
+              <a:t>12/25/2019</a:t>
             </a:fld>
             <a:endParaRPr lang="en-US"/>
           </a:p>
@@ -413,7 +418,7 @@
           <a:p>
             <a:fld id="{CDC54083-5E77-40A2-BF7F-593D80E5935C}" type="datetimeFigureOut">
               <a:rPr lang="en-US" smtClean="0"/>
-              <a:t>12/12/2019</a:t>
+              <a:t>12/25/2019</a:t>
             </a:fld>
             <a:endParaRPr lang="en-US"/>
           </a:p>
@@ -593,7 +598,7 @@
           <a:p>
             <a:fld id="{CDC54083-5E77-40A2-BF7F-593D80E5935C}" type="datetimeFigureOut">
               <a:rPr lang="en-US" smtClean="0"/>
-              <a:t>12/12/2019</a:t>
+              <a:t>12/25/2019</a:t>
             </a:fld>
             <a:endParaRPr lang="en-US"/>
           </a:p>
@@ -763,7 +768,7 @@
           <a:p>
             <a:fld id="{CDC54083-5E77-40A2-BF7F-593D80E5935C}" type="datetimeFigureOut">
               <a:rPr lang="en-US" smtClean="0"/>
-              <a:t>12/12/2019</a:t>
+              <a:t>12/25/2019</a:t>
             </a:fld>
             <a:endParaRPr lang="en-US"/>
           </a:p>
@@ -1009,7 +1014,7 @@
           <a:p>
             <a:fld id="{CDC54083-5E77-40A2-BF7F-593D80E5935C}" type="datetimeFigureOut">
               <a:rPr lang="en-US" smtClean="0"/>
-              <a:t>12/12/2019</a:t>
+              <a:t>12/25/2019</a:t>
             </a:fld>
             <a:endParaRPr lang="en-US"/>
           </a:p>
@@ -1241,7 +1246,7 @@
           <a:p>
             <a:fld id="{CDC54083-5E77-40A2-BF7F-593D80E5935C}" type="datetimeFigureOut">
               <a:rPr lang="en-US" smtClean="0"/>
-              <a:t>12/12/2019</a:t>
+              <a:t>12/25/2019</a:t>
             </a:fld>
             <a:endParaRPr lang="en-US"/>
           </a:p>
@@ -1608,7 +1613,7 @@
           <a:p>
             <a:fld id="{CDC54083-5E77-40A2-BF7F-593D80E5935C}" type="datetimeFigureOut">
               <a:rPr lang="en-US" smtClean="0"/>
-              <a:t>12/12/2019</a:t>
+              <a:t>12/25/2019</a:t>
             </a:fld>
             <a:endParaRPr lang="en-US"/>
           </a:p>
@@ -1726,7 +1731,7 @@
           <a:p>
             <a:fld id="{CDC54083-5E77-40A2-BF7F-593D80E5935C}" type="datetimeFigureOut">
               <a:rPr lang="en-US" smtClean="0"/>
-              <a:t>12/12/2019</a:t>
+              <a:t>12/25/2019</a:t>
             </a:fld>
             <a:endParaRPr lang="en-US"/>
           </a:p>
@@ -1821,7 +1826,7 @@
           <a:p>
             <a:fld id="{CDC54083-5E77-40A2-BF7F-593D80E5935C}" type="datetimeFigureOut">
               <a:rPr lang="en-US" smtClean="0"/>
-              <a:t>12/12/2019</a:t>
+              <a:t>12/25/2019</a:t>
             </a:fld>
             <a:endParaRPr lang="en-US"/>
           </a:p>
@@ -2098,7 +2103,7 @@
           <a:p>
             <a:fld id="{CDC54083-5E77-40A2-BF7F-593D80E5935C}" type="datetimeFigureOut">
               <a:rPr lang="en-US" smtClean="0"/>
-              <a:t>12/12/2019</a:t>
+              <a:t>12/25/2019</a:t>
             </a:fld>
             <a:endParaRPr lang="en-US"/>
           </a:p>
@@ -2351,7 +2356,7 @@
           <a:p>
             <a:fld id="{CDC54083-5E77-40A2-BF7F-593D80E5935C}" type="datetimeFigureOut">
               <a:rPr lang="en-US" smtClean="0"/>
-              <a:t>12/12/2019</a:t>
+              <a:t>12/25/2019</a:t>
             </a:fld>
             <a:endParaRPr lang="en-US"/>
           </a:p>
@@ -2564,7 +2569,7 @@
           <a:p>
             <a:fld id="{CDC54083-5E77-40A2-BF7F-593D80E5935C}" type="datetimeFigureOut">
               <a:rPr lang="en-US" smtClean="0"/>
-              <a:t>12/12/2019</a:t>
+              <a:t>12/25/2019</a:t>
             </a:fld>
             <a:endParaRPr lang="en-US"/>
           </a:p>
@@ -3805,10 +3810,6 @@
                         </a:rPr>
                         <a:t>MIMIC-III</a:t>
                       </a:r>
-                      <a:endParaRPr lang="en-US" sz="1800" b="1" dirty="0" smtClean="0">
-                        <a:latin typeface="Times New Roman" panose="02020603050405020304" pitchFamily="18" charset="0"/>
-                        <a:cs typeface="Times New Roman" panose="02020603050405020304" pitchFamily="18" charset="0"/>
-                      </a:endParaRPr>
                     </a:p>
                   </a:txBody>
                   <a:tcPr/>
@@ -5875,16 +5876,361 @@
           <a:chExt cx="0" cy="0"/>
         </a:xfrm>
       </p:grpSpPr>
-      <p:sp>
-        <p:nvSpPr>
-          <p:cNvPr id="2" name="TextBox 1"/>
+      <p:pic>
+        <p:nvPicPr>
+          <p:cNvPr id="3" name="Picture 2"/>
+          <p:cNvPicPr>
+            <a:picLocks noChangeAspect="1"/>
+          </p:cNvPicPr>
+          <p:nvPr/>
+        </p:nvPicPr>
+        <p:blipFill>
+          <a:blip r:embed="rId2" cstate="print">
+            <a:extLst>
+              <a:ext uri="{28A0092B-C50C-407E-A947-70E740481C1C}">
+                <a14:useLocalDpi xmlns:a14="http://schemas.microsoft.com/office/drawing/2010/main" val="0"/>
+              </a:ext>
+            </a:extLst>
+          </a:blip>
+          <a:stretch>
+            <a:fillRect/>
+          </a:stretch>
+        </p:blipFill>
+        <p:spPr>
+          <a:xfrm>
+            <a:off x="3422074" y="963200"/>
+            <a:ext cx="1094202" cy="1094202"/>
+          </a:xfrm>
+          <a:prstGeom prst="rect">
+            <a:avLst/>
+          </a:prstGeom>
+        </p:spPr>
+      </p:pic>
+      <p:pic>
+        <p:nvPicPr>
+          <p:cNvPr id="4" name="Picture 3"/>
+          <p:cNvPicPr>
+            <a:picLocks noChangeAspect="1"/>
+          </p:cNvPicPr>
+          <p:nvPr/>
+        </p:nvPicPr>
+        <p:blipFill>
+          <a:blip r:embed="rId3" cstate="print">
+            <a:extLst>
+              <a:ext uri="{28A0092B-C50C-407E-A947-70E740481C1C}">
+                <a14:useLocalDpi xmlns:a14="http://schemas.microsoft.com/office/drawing/2010/main" val="0"/>
+              </a:ext>
+            </a:extLst>
+          </a:blip>
+          <a:stretch>
+            <a:fillRect/>
+          </a:stretch>
+        </p:blipFill>
+        <p:spPr>
+          <a:xfrm>
+            <a:off x="7703125" y="963200"/>
+            <a:ext cx="1093899" cy="1093899"/>
+          </a:xfrm>
+          <a:prstGeom prst="rect">
+            <a:avLst/>
+          </a:prstGeom>
+        </p:spPr>
+      </p:pic>
+      <p:pic>
+        <p:nvPicPr>
+          <p:cNvPr id="5" name="Picture 4"/>
+          <p:cNvPicPr>
+            <a:picLocks noChangeAspect="1"/>
+          </p:cNvPicPr>
+          <p:nvPr/>
+        </p:nvPicPr>
+        <p:blipFill>
+          <a:blip r:embed="rId4" cstate="print">
+            <a:extLst>
+              <a:ext uri="{28A0092B-C50C-407E-A947-70E740481C1C}">
+                <a14:useLocalDpi xmlns:a14="http://schemas.microsoft.com/office/drawing/2010/main" val="0"/>
+              </a:ext>
+            </a:extLst>
+          </a:blip>
+          <a:stretch>
+            <a:fillRect/>
+          </a:stretch>
+        </p:blipFill>
+        <p:spPr>
+          <a:xfrm>
+            <a:off x="5486092" y="976600"/>
+            <a:ext cx="1080655" cy="1080655"/>
+          </a:xfrm>
+          <a:prstGeom prst="rect">
+            <a:avLst/>
+          </a:prstGeom>
+        </p:spPr>
+      </p:pic>
+      <p:pic>
+        <p:nvPicPr>
+          <p:cNvPr id="6" name="Picture 5"/>
+          <p:cNvPicPr>
+            <a:picLocks noChangeAspect="1"/>
+          </p:cNvPicPr>
+          <p:nvPr/>
+        </p:nvPicPr>
+        <p:blipFill>
+          <a:blip r:embed="rId5" cstate="print">
+            <a:extLst>
+              <a:ext uri="{28A0092B-C50C-407E-A947-70E740481C1C}">
+                <a14:useLocalDpi xmlns:a14="http://schemas.microsoft.com/office/drawing/2010/main" val="0"/>
+              </a:ext>
+            </a:extLst>
+          </a:blip>
+          <a:stretch>
+            <a:fillRect/>
+          </a:stretch>
+        </p:blipFill>
+        <p:spPr>
+          <a:xfrm>
+            <a:off x="9336274" y="2444867"/>
+            <a:ext cx="1731431" cy="1731431"/>
+          </a:xfrm>
+          <a:prstGeom prst="rect">
+            <a:avLst/>
+          </a:prstGeom>
+        </p:spPr>
+      </p:pic>
+      <p:pic>
+        <p:nvPicPr>
+          <p:cNvPr id="7" name="Picture 6"/>
+          <p:cNvPicPr>
+            <a:picLocks noChangeAspect="1"/>
+          </p:cNvPicPr>
+          <p:nvPr/>
+        </p:nvPicPr>
+        <p:blipFill>
+          <a:blip r:embed="rId6">
+            <a:extLst>
+              <a:ext uri="{28A0092B-C50C-407E-A947-70E740481C1C}">
+                <a14:useLocalDpi xmlns:a14="http://schemas.microsoft.com/office/drawing/2010/main" val="0"/>
+              </a:ext>
+            </a:extLst>
+          </a:blip>
+          <a:stretch>
+            <a:fillRect/>
+          </a:stretch>
+        </p:blipFill>
+        <p:spPr>
+          <a:xfrm>
+            <a:off x="5210151" y="3893127"/>
+            <a:ext cx="2135902" cy="1938945"/>
+          </a:xfrm>
+          <a:prstGeom prst="rect">
+            <a:avLst/>
+          </a:prstGeom>
+        </p:spPr>
+      </p:pic>
+      <p:pic>
+        <p:nvPicPr>
+          <p:cNvPr id="8" name="Picture 7"/>
+          <p:cNvPicPr>
+            <a:picLocks noChangeAspect="1"/>
+          </p:cNvPicPr>
+          <p:nvPr/>
+        </p:nvPicPr>
+        <p:blipFill>
+          <a:blip r:embed="rId7" cstate="print">
+            <a:extLst>
+              <a:ext uri="{28A0092B-C50C-407E-A947-70E740481C1C}">
+                <a14:useLocalDpi xmlns:a14="http://schemas.microsoft.com/office/drawing/2010/main" val="0"/>
+              </a:ext>
+            </a:extLst>
+          </a:blip>
+          <a:stretch>
+            <a:fillRect/>
+          </a:stretch>
+        </p:blipFill>
+        <p:spPr>
+          <a:xfrm>
+            <a:off x="700499" y="2499631"/>
+            <a:ext cx="1926854" cy="1926854"/>
+          </a:xfrm>
+          <a:prstGeom prst="rect">
+            <a:avLst/>
+          </a:prstGeom>
+        </p:spPr>
+      </p:pic>
+      <p:cxnSp>
+        <p:nvCxnSpPr>
+          <p:cNvPr id="22" name="Curved Connector 21"/>
+          <p:cNvCxnSpPr/>
+          <p:nvPr/>
+        </p:nvCxnSpPr>
+        <p:spPr>
+          <a:xfrm flipV="1">
+            <a:off x="2758128" y="2057099"/>
+            <a:ext cx="663946" cy="442532"/>
+          </a:xfrm>
+          <a:prstGeom prst="curvedConnector3">
+            <a:avLst/>
+          </a:prstGeom>
+          <a:ln w="28575">
+            <a:tailEnd type="triangle"/>
+          </a:ln>
+        </p:spPr>
+        <p:style>
+          <a:lnRef idx="3">
+            <a:schemeClr val="accent1"/>
+          </a:lnRef>
+          <a:fillRef idx="0">
+            <a:schemeClr val="accent1"/>
+          </a:fillRef>
+          <a:effectRef idx="2">
+            <a:schemeClr val="accent1"/>
+          </a:effectRef>
+          <a:fontRef idx="minor">
+            <a:schemeClr val="tx1"/>
+          </a:fontRef>
+        </p:style>
+      </p:cxnSp>
+      <p:cxnSp>
+        <p:nvCxnSpPr>
+          <p:cNvPr id="34" name="Straight Arrow Connector 33"/>
+          <p:cNvCxnSpPr/>
+          <p:nvPr/>
+        </p:nvCxnSpPr>
+        <p:spPr>
+          <a:xfrm>
+            <a:off x="4779818" y="1510149"/>
+            <a:ext cx="457200" cy="0"/>
+          </a:xfrm>
+          <a:prstGeom prst="straightConnector1">
+            <a:avLst/>
+          </a:prstGeom>
+          <a:ln w="28575">
+            <a:tailEnd type="triangle"/>
+          </a:ln>
+        </p:spPr>
+        <p:style>
+          <a:lnRef idx="3">
+            <a:schemeClr val="accent1"/>
+          </a:lnRef>
+          <a:fillRef idx="0">
+            <a:schemeClr val="accent1"/>
+          </a:fillRef>
+          <a:effectRef idx="2">
+            <a:schemeClr val="accent1"/>
+          </a:effectRef>
+          <a:fontRef idx="minor">
+            <a:schemeClr val="tx1"/>
+          </a:fontRef>
+        </p:style>
+      </p:cxnSp>
+      <p:cxnSp>
+        <p:nvCxnSpPr>
+          <p:cNvPr id="35" name="Straight Arrow Connector 34"/>
+          <p:cNvCxnSpPr/>
+          <p:nvPr/>
+        </p:nvCxnSpPr>
+        <p:spPr>
+          <a:xfrm>
+            <a:off x="6940436" y="1516931"/>
+            <a:ext cx="457200" cy="0"/>
+          </a:xfrm>
+          <a:prstGeom prst="straightConnector1">
+            <a:avLst/>
+          </a:prstGeom>
+          <a:ln w="28575">
+            <a:tailEnd type="triangle"/>
+          </a:ln>
+        </p:spPr>
+        <p:style>
+          <a:lnRef idx="3">
+            <a:schemeClr val="accent1"/>
+          </a:lnRef>
+          <a:fillRef idx="0">
+            <a:schemeClr val="accent1"/>
+          </a:fillRef>
+          <a:effectRef idx="2">
+            <a:schemeClr val="accent1"/>
+          </a:effectRef>
+          <a:fontRef idx="minor">
+            <a:schemeClr val="tx1"/>
+          </a:fontRef>
+        </p:style>
+      </p:cxnSp>
+      <p:cxnSp>
+        <p:nvCxnSpPr>
+          <p:cNvPr id="36" name="Curved Connector 35"/>
+          <p:cNvCxnSpPr/>
+          <p:nvPr/>
+        </p:nvCxnSpPr>
+        <p:spPr>
+          <a:xfrm>
+            <a:off x="8797026" y="1911930"/>
+            <a:ext cx="748755" cy="532937"/>
+          </a:xfrm>
+          <a:prstGeom prst="curvedConnector3">
+            <a:avLst/>
+          </a:prstGeom>
+          <a:ln w="28575">
+            <a:tailEnd type="triangle"/>
+          </a:ln>
+        </p:spPr>
+        <p:style>
+          <a:lnRef idx="3">
+            <a:schemeClr val="accent1"/>
+          </a:lnRef>
+          <a:fillRef idx="0">
+            <a:schemeClr val="accent1"/>
+          </a:fillRef>
+          <a:effectRef idx="2">
+            <a:schemeClr val="accent1"/>
+          </a:effectRef>
+          <a:fontRef idx="minor">
+            <a:schemeClr val="tx1"/>
+          </a:fontRef>
+        </p:style>
+      </p:cxnSp>
+      <p:cxnSp>
+        <p:nvCxnSpPr>
+          <p:cNvPr id="42" name="Curved Connector 41"/>
+          <p:cNvCxnSpPr/>
+          <p:nvPr/>
+        </p:nvCxnSpPr>
+        <p:spPr>
+          <a:xfrm rot="10800000" flipV="1">
+            <a:off x="7607025" y="4176296"/>
+            <a:ext cx="1564379" cy="548103"/>
+          </a:xfrm>
+          <a:prstGeom prst="curvedConnector3">
+            <a:avLst/>
+          </a:prstGeom>
+          <a:ln w="28575">
+            <a:tailEnd type="triangle"/>
+          </a:ln>
+        </p:spPr>
+        <p:style>
+          <a:lnRef idx="3">
+            <a:schemeClr val="accent1"/>
+          </a:lnRef>
+          <a:fillRef idx="0">
+            <a:schemeClr val="accent1"/>
+          </a:fillRef>
+          <a:effectRef idx="2">
+            <a:schemeClr val="accent1"/>
+          </a:effectRef>
+          <a:fontRef idx="minor">
+            <a:schemeClr val="tx1"/>
+          </a:fontRef>
+        </p:style>
+      </p:cxnSp>
+      <p:sp>
+        <p:nvSpPr>
+          <p:cNvPr id="48" name="TextBox 47"/>
           <p:cNvSpPr txBox="1"/>
           <p:nvPr/>
         </p:nvSpPr>
         <p:spPr>
           <a:xfrm>
-            <a:off x="2798618" y="1468582"/>
-            <a:ext cx="6539346" cy="4524315"/>
+            <a:off x="408405" y="4724400"/>
+            <a:ext cx="3754582" cy="369332"/>
           </a:xfrm>
           <a:prstGeom prst="rect">
             <a:avLst/>
@@ -5898,63 +6244,271 @@
           <a:lstStyle/>
           <a:p>
             <a:r>
-              <a:rPr lang="en-US" sz="3600" b="1" dirty="0" smtClean="0"/>
-              <a:t>Result : </a:t>
-            </a:r>
-          </a:p>
-          <a:p>
-            <a:endParaRPr lang="en-US" sz="3600" dirty="0"/>
-          </a:p>
-          <a:p>
-            <a:r>
-              <a:rPr lang="en-US" sz="3600" dirty="0" smtClean="0"/>
-              <a:t>Logistic Regression: </a:t>
-            </a:r>
-            <a:r>
-              <a:rPr lang="en-US" sz="3600" b="1" dirty="0" smtClean="0"/>
-              <a:t>64 % </a:t>
-            </a:r>
-            <a:endParaRPr lang="en-US" sz="3600" b="1" dirty="0"/>
-          </a:p>
-          <a:p>
-            <a:r>
-              <a:rPr lang="en-US" sz="3600" dirty="0" smtClean="0"/>
-              <a:t>Random Forrest </a:t>
-            </a:r>
-            <a:r>
-              <a:rPr lang="en-US" sz="3600" b="1" dirty="0" smtClean="0"/>
-              <a:t>65 %</a:t>
-            </a:r>
-          </a:p>
-          <a:p>
-            <a:endParaRPr lang="en-US" sz="3600" dirty="0" smtClean="0"/>
-          </a:p>
-          <a:p>
-            <a:r>
-              <a:rPr lang="en-US" sz="3600" dirty="0" smtClean="0"/>
-              <a:t>Without any normalization, sampling technique and class imbalance technique</a:t>
-            </a:r>
-            <a:endParaRPr lang="en-US" sz="3600" dirty="0"/>
+              <a:rPr lang="en-US" b="1" dirty="0" smtClean="0">
+                <a:solidFill>
+                  <a:schemeClr val="tx1">
+                    <a:lumMod val="75000"/>
+                    <a:lumOff val="25000"/>
+                  </a:schemeClr>
+                </a:solidFill>
+                <a:latin typeface="Bell MT" panose="02020503060305020303" pitchFamily="18" charset="0"/>
+                <a:cs typeface="Arial" panose="020B0604020202020204" pitchFamily="34" charset="0"/>
+              </a:rPr>
+              <a:t>DB Tables, Views and Files</a:t>
+            </a:r>
+            <a:endParaRPr lang="en-US" b="1" dirty="0">
+              <a:solidFill>
+                <a:schemeClr val="tx1">
+                  <a:lumMod val="75000"/>
+                  <a:lumOff val="25000"/>
+                </a:schemeClr>
+              </a:solidFill>
+              <a:latin typeface="Bell MT" panose="02020503060305020303" pitchFamily="18" charset="0"/>
+              <a:cs typeface="Arial" panose="020B0604020202020204" pitchFamily="34" charset="0"/>
+            </a:endParaRPr>
+          </a:p>
+        </p:txBody>
+      </p:sp>
+      <p:sp>
+        <p:nvSpPr>
+          <p:cNvPr id="50" name="TextBox 49"/>
+          <p:cNvSpPr txBox="1"/>
+          <p:nvPr/>
+        </p:nvSpPr>
+        <p:spPr>
+          <a:xfrm>
+            <a:off x="872226" y="1204887"/>
+            <a:ext cx="2826940" cy="369332"/>
+          </a:xfrm>
+          <a:prstGeom prst="rect">
+            <a:avLst/>
+          </a:prstGeom>
+          <a:noFill/>
+        </p:spPr>
+        <p:txBody>
+          <a:bodyPr wrap="square" rtlCol="0">
+            <a:spAutoFit/>
+          </a:bodyPr>
+          <a:lstStyle/>
+          <a:p>
+            <a:r>
+              <a:rPr lang="en-US" b="1" dirty="0" smtClean="0">
+                <a:solidFill>
+                  <a:schemeClr val="tx1">
+                    <a:lumMod val="75000"/>
+                    <a:lumOff val="25000"/>
+                  </a:schemeClr>
+                </a:solidFill>
+                <a:latin typeface="Bell MT" panose="02020503060305020303" pitchFamily="18" charset="0"/>
+                <a:cs typeface="Arial" panose="020B0604020202020204" pitchFamily="34" charset="0"/>
+              </a:rPr>
+              <a:t>Reading to DataFrame</a:t>
+            </a:r>
+            <a:endParaRPr lang="en-US" b="1" dirty="0">
+              <a:solidFill>
+                <a:schemeClr val="tx1">
+                  <a:lumMod val="75000"/>
+                  <a:lumOff val="25000"/>
+                </a:schemeClr>
+              </a:solidFill>
+              <a:latin typeface="Bell MT" panose="02020503060305020303" pitchFamily="18" charset="0"/>
+              <a:cs typeface="Arial" panose="020B0604020202020204" pitchFamily="34" charset="0"/>
+            </a:endParaRPr>
+          </a:p>
+        </p:txBody>
+      </p:sp>
+      <p:sp>
+        <p:nvSpPr>
+          <p:cNvPr id="51" name="TextBox 50"/>
+          <p:cNvSpPr txBox="1"/>
+          <p:nvPr/>
+        </p:nvSpPr>
+        <p:spPr>
+          <a:xfrm>
+            <a:off x="5153277" y="466551"/>
+            <a:ext cx="2826940" cy="369332"/>
+          </a:xfrm>
+          <a:prstGeom prst="rect">
+            <a:avLst/>
+          </a:prstGeom>
+          <a:noFill/>
+        </p:spPr>
+        <p:txBody>
+          <a:bodyPr wrap="square" rtlCol="0">
+            <a:spAutoFit/>
+          </a:bodyPr>
+          <a:lstStyle/>
+          <a:p>
+            <a:r>
+              <a:rPr lang="en-US" b="1" dirty="0" smtClean="0">
+                <a:solidFill>
+                  <a:schemeClr val="tx1">
+                    <a:lumMod val="75000"/>
+                    <a:lumOff val="25000"/>
+                  </a:schemeClr>
+                </a:solidFill>
+                <a:latin typeface="Bell MT" panose="02020503060305020303" pitchFamily="18" charset="0"/>
+                <a:cs typeface="Arial" panose="020B0604020202020204" pitchFamily="34" charset="0"/>
+              </a:rPr>
+              <a:t>Subset each Batch</a:t>
+            </a:r>
+            <a:endParaRPr lang="en-US" b="1" dirty="0">
+              <a:solidFill>
+                <a:schemeClr val="tx1">
+                  <a:lumMod val="75000"/>
+                  <a:lumOff val="25000"/>
+                </a:schemeClr>
+              </a:solidFill>
+              <a:latin typeface="Bell MT" panose="02020503060305020303" pitchFamily="18" charset="0"/>
+              <a:cs typeface="Arial" panose="020B0604020202020204" pitchFamily="34" charset="0"/>
+            </a:endParaRPr>
+          </a:p>
+        </p:txBody>
+      </p:sp>
+      <p:sp>
+        <p:nvSpPr>
+          <p:cNvPr id="52" name="TextBox 51"/>
+          <p:cNvSpPr txBox="1"/>
+          <p:nvPr/>
+        </p:nvSpPr>
+        <p:spPr>
+          <a:xfrm>
+            <a:off x="9229350" y="1218731"/>
+            <a:ext cx="2826940" cy="369332"/>
+          </a:xfrm>
+          <a:prstGeom prst="rect">
+            <a:avLst/>
+          </a:prstGeom>
+          <a:noFill/>
+        </p:spPr>
+        <p:txBody>
+          <a:bodyPr wrap="square" rtlCol="0">
+            <a:spAutoFit/>
+          </a:bodyPr>
+          <a:lstStyle/>
+          <a:p>
+            <a:r>
+              <a:rPr lang="en-US" b="1" dirty="0" smtClean="0">
+                <a:solidFill>
+                  <a:schemeClr val="tx1">
+                    <a:lumMod val="75000"/>
+                    <a:lumOff val="25000"/>
+                  </a:schemeClr>
+                </a:solidFill>
+                <a:latin typeface="Bell MT" panose="02020503060305020303" pitchFamily="18" charset="0"/>
+                <a:cs typeface="Arial" panose="020B0604020202020204" pitchFamily="34" charset="0"/>
+              </a:rPr>
+              <a:t>Filtering Features</a:t>
+            </a:r>
+            <a:endParaRPr lang="en-US" b="1" dirty="0">
+              <a:solidFill>
+                <a:schemeClr val="tx1">
+                  <a:lumMod val="75000"/>
+                  <a:lumOff val="25000"/>
+                </a:schemeClr>
+              </a:solidFill>
+              <a:latin typeface="Bell MT" panose="02020503060305020303" pitchFamily="18" charset="0"/>
+              <a:cs typeface="Arial" panose="020B0604020202020204" pitchFamily="34" charset="0"/>
+            </a:endParaRPr>
+          </a:p>
+        </p:txBody>
+      </p:sp>
+      <p:sp>
+        <p:nvSpPr>
+          <p:cNvPr id="53" name="TextBox 52"/>
+          <p:cNvSpPr txBox="1"/>
+          <p:nvPr/>
+        </p:nvSpPr>
+        <p:spPr>
+          <a:xfrm>
+            <a:off x="8922327" y="4564064"/>
+            <a:ext cx="3009272" cy="369332"/>
+          </a:xfrm>
+          <a:prstGeom prst="rect">
+            <a:avLst/>
+          </a:prstGeom>
+          <a:noFill/>
+        </p:spPr>
+        <p:txBody>
+          <a:bodyPr wrap="square" rtlCol="0">
+            <a:spAutoFit/>
+          </a:bodyPr>
+          <a:lstStyle/>
+          <a:p>
+            <a:r>
+              <a:rPr lang="en-US" b="1" dirty="0" smtClean="0">
+                <a:solidFill>
+                  <a:schemeClr val="tx1">
+                    <a:lumMod val="75000"/>
+                    <a:lumOff val="25000"/>
+                  </a:schemeClr>
+                </a:solidFill>
+                <a:latin typeface="Bell MT" panose="02020503060305020303" pitchFamily="18" charset="0"/>
+                <a:cs typeface="Arial" panose="020B0604020202020204" pitchFamily="34" charset="0"/>
+              </a:rPr>
+              <a:t>Keeping Track of Features</a:t>
+            </a:r>
+            <a:endParaRPr lang="en-US" b="1" dirty="0">
+              <a:solidFill>
+                <a:schemeClr val="tx1">
+                  <a:lumMod val="75000"/>
+                  <a:lumOff val="25000"/>
+                </a:schemeClr>
+              </a:solidFill>
+              <a:latin typeface="Bell MT" panose="02020503060305020303" pitchFamily="18" charset="0"/>
+              <a:cs typeface="Arial" panose="020B0604020202020204" pitchFamily="34" charset="0"/>
+            </a:endParaRPr>
+          </a:p>
+        </p:txBody>
+      </p:sp>
+      <p:sp>
+        <p:nvSpPr>
+          <p:cNvPr id="54" name="TextBox 53"/>
+          <p:cNvSpPr txBox="1"/>
+          <p:nvPr/>
+        </p:nvSpPr>
+        <p:spPr>
+          <a:xfrm>
+            <a:off x="4779818" y="6002678"/>
+            <a:ext cx="3009272" cy="369332"/>
+          </a:xfrm>
+          <a:prstGeom prst="rect">
+            <a:avLst/>
+          </a:prstGeom>
+          <a:noFill/>
+        </p:spPr>
+        <p:txBody>
+          <a:bodyPr wrap="square" rtlCol="0">
+            <a:spAutoFit/>
+          </a:bodyPr>
+          <a:lstStyle/>
+          <a:p>
+            <a:r>
+              <a:rPr lang="en-US" b="1" dirty="0" smtClean="0">
+                <a:solidFill>
+                  <a:schemeClr val="tx1">
+                    <a:lumMod val="75000"/>
+                    <a:lumOff val="25000"/>
+                  </a:schemeClr>
+                </a:solidFill>
+                <a:latin typeface="Bell MT" panose="02020503060305020303" pitchFamily="18" charset="0"/>
+                <a:cs typeface="Arial" panose="020B0604020202020204" pitchFamily="34" charset="0"/>
+              </a:rPr>
+              <a:t>Compiling Features</a:t>
+            </a:r>
           </a:p>
         </p:txBody>
       </p:sp>
     </p:spTree>
     <p:extLst>
       <p:ext uri="{BB962C8B-B14F-4D97-AF65-F5344CB8AC3E}">
-        <p14:creationId xmlns:p14="http://schemas.microsoft.com/office/powerpoint/2010/main" val="2316103205"/>
+        <p14:creationId xmlns:p14="http://schemas.microsoft.com/office/powerpoint/2010/main" val="3394999163"/>
       </p:ext>
     </p:extLst>
   </p:cSld>
   <p:clrMapOvr>
     <a:masterClrMapping/>
   </p:clrMapOvr>
-  <p:timing>
-    <p:tnLst>
-      <p:par>
-        <p:cTn id="1" dur="indefinite" restart="never" nodeType="tmRoot"/>
-      </p:par>
-    </p:tnLst>
-  </p:timing>
 </p:sld>
 </file>
 

--- a/Presentation.pptx
+++ b/Presentation.pptx
@@ -6005,7 +6005,7 @@
           <p:nvPr/>
         </p:nvPicPr>
         <p:blipFill>
-          <a:blip r:embed="rId6">
+          <a:blip r:embed="rId6" cstate="print">
             <a:extLst>
               <a:ext uri="{28A0092B-C50C-407E-A947-70E740481C1C}">
                 <a14:useLocalDpi xmlns:a14="http://schemas.microsoft.com/office/drawing/2010/main" val="0"/>
@@ -6018,8 +6018,8 @@
         </p:blipFill>
         <p:spPr>
           <a:xfrm>
-            <a:off x="5210151" y="3893127"/>
-            <a:ext cx="2135902" cy="1938945"/>
+            <a:off x="3784181" y="4355540"/>
+            <a:ext cx="1626353" cy="1476383"/>
           </a:xfrm>
           <a:prstGeom prst="rect">
             <a:avLst/>
@@ -6196,8 +6196,8 @@
         </p:nvCxnSpPr>
         <p:spPr>
           <a:xfrm rot="10800000" flipV="1">
-            <a:off x="7607025" y="4176296"/>
-            <a:ext cx="1564379" cy="548103"/>
+            <a:off x="8541553" y="4176296"/>
+            <a:ext cx="629852" cy="387768"/>
           </a:xfrm>
           <a:prstGeom prst="curvedConnector3">
             <a:avLst/>
@@ -6469,7 +6469,7 @@
         </p:nvSpPr>
         <p:spPr>
           <a:xfrm>
-            <a:off x="4779818" y="6002678"/>
+            <a:off x="3275182" y="5945172"/>
             <a:ext cx="3009272" cy="369332"/>
           </a:xfrm>
           <a:prstGeom prst="rect">
@@ -6496,6 +6496,117 @@
               </a:rPr>
               <a:t>Compiling Features</a:t>
             </a:r>
+          </a:p>
+        </p:txBody>
+      </p:sp>
+      <p:pic>
+        <p:nvPicPr>
+          <p:cNvPr id="9" name="Picture 8"/>
+          <p:cNvPicPr>
+            <a:picLocks noChangeAspect="1"/>
+          </p:cNvPicPr>
+          <p:nvPr/>
+        </p:nvPicPr>
+        <p:blipFill>
+          <a:blip r:embed="rId8" cstate="print">
+            <a:extLst>
+              <a:ext uri="{28A0092B-C50C-407E-A947-70E740481C1C}">
+                <a14:useLocalDpi xmlns:a14="http://schemas.microsoft.com/office/drawing/2010/main" val="0"/>
+              </a:ext>
+            </a:extLst>
+          </a:blip>
+          <a:stretch>
+            <a:fillRect/>
+          </a:stretch>
+        </p:blipFill>
+        <p:spPr>
+          <a:xfrm>
+            <a:off x="6919613" y="4219928"/>
+            <a:ext cx="1426936" cy="1426936"/>
+          </a:xfrm>
+          <a:prstGeom prst="rect">
+            <a:avLst/>
+          </a:prstGeom>
+        </p:spPr>
+      </p:pic>
+      <p:cxnSp>
+        <p:nvCxnSpPr>
+          <p:cNvPr id="21" name="Curved Connector 20"/>
+          <p:cNvCxnSpPr/>
+          <p:nvPr/>
+        </p:nvCxnSpPr>
+        <p:spPr>
+          <a:xfrm rot="10800000" flipV="1">
+            <a:off x="5930178" y="4887355"/>
+            <a:ext cx="705537" cy="206376"/>
+          </a:xfrm>
+          <a:prstGeom prst="curvedConnector3">
+            <a:avLst/>
+          </a:prstGeom>
+          <a:ln w="28575">
+            <a:tailEnd type="triangle"/>
+          </a:ln>
+        </p:spPr>
+        <p:style>
+          <a:lnRef idx="3">
+            <a:schemeClr val="accent1"/>
+          </a:lnRef>
+          <a:fillRef idx="0">
+            <a:schemeClr val="accent1"/>
+          </a:fillRef>
+          <a:effectRef idx="2">
+            <a:schemeClr val="accent1"/>
+          </a:effectRef>
+          <a:fontRef idx="minor">
+            <a:schemeClr val="tx1"/>
+          </a:fontRef>
+        </p:style>
+      </p:cxnSp>
+      <p:sp>
+        <p:nvSpPr>
+          <p:cNvPr id="23" name="TextBox 22"/>
+          <p:cNvSpPr txBox="1"/>
+          <p:nvPr/>
+        </p:nvSpPr>
+        <p:spPr>
+          <a:xfrm>
+            <a:off x="6475581" y="5703252"/>
+            <a:ext cx="3009272" cy="646331"/>
+          </a:xfrm>
+          <a:prstGeom prst="rect">
+            <a:avLst/>
+          </a:prstGeom>
+          <a:noFill/>
+        </p:spPr>
+        <p:txBody>
+          <a:bodyPr wrap="square" rtlCol="0">
+            <a:spAutoFit/>
+          </a:bodyPr>
+          <a:lstStyle/>
+          <a:p>
+            <a:r>
+              <a:rPr lang="en-US" b="1" dirty="0" smtClean="0">
+                <a:solidFill>
+                  <a:schemeClr val="tx1">
+                    <a:lumMod val="75000"/>
+                    <a:lumOff val="25000"/>
+                  </a:schemeClr>
+                </a:solidFill>
+                <a:latin typeface="Bell MT" panose="02020503060305020303" pitchFamily="18" charset="0"/>
+                <a:cs typeface="Arial" panose="020B0604020202020204" pitchFamily="34" charset="0"/>
+              </a:rPr>
+              <a:t>Lookup for Chart Event, Diagnoses and Procedure</a:t>
+            </a:r>
+            <a:endParaRPr lang="en-US" b="1" dirty="0">
+              <a:solidFill>
+                <a:schemeClr val="tx1">
+                  <a:lumMod val="75000"/>
+                  <a:lumOff val="25000"/>
+                </a:schemeClr>
+              </a:solidFill>
+              <a:latin typeface="Bell MT" panose="02020503060305020303" pitchFamily="18" charset="0"/>
+              <a:cs typeface="Arial" panose="020B0604020202020204" pitchFamily="34" charset="0"/>
+            </a:endParaRPr>
           </a:p>
         </p:txBody>
       </p:sp>

--- a/Presentation.pptx
+++ b/Presentation.pptx
@@ -248,7 +248,7 @@
           <a:p>
             <a:fld id="{CDC54083-5E77-40A2-BF7F-593D80E5935C}" type="datetimeFigureOut">
               <a:rPr lang="en-US" smtClean="0"/>
-              <a:t>12/25/2019</a:t>
+              <a:t>12/26/2019</a:t>
             </a:fld>
             <a:endParaRPr lang="en-US"/>
           </a:p>
@@ -418,7 +418,7 @@
           <a:p>
             <a:fld id="{CDC54083-5E77-40A2-BF7F-593D80E5935C}" type="datetimeFigureOut">
               <a:rPr lang="en-US" smtClean="0"/>
-              <a:t>12/25/2019</a:t>
+              <a:t>12/26/2019</a:t>
             </a:fld>
             <a:endParaRPr lang="en-US"/>
           </a:p>
@@ -598,7 +598,7 @@
           <a:p>
             <a:fld id="{CDC54083-5E77-40A2-BF7F-593D80E5935C}" type="datetimeFigureOut">
               <a:rPr lang="en-US" smtClean="0"/>
-              <a:t>12/25/2019</a:t>
+              <a:t>12/26/2019</a:t>
             </a:fld>
             <a:endParaRPr lang="en-US"/>
           </a:p>
@@ -768,7 +768,7 @@
           <a:p>
             <a:fld id="{CDC54083-5E77-40A2-BF7F-593D80E5935C}" type="datetimeFigureOut">
               <a:rPr lang="en-US" smtClean="0"/>
-              <a:t>12/25/2019</a:t>
+              <a:t>12/26/2019</a:t>
             </a:fld>
             <a:endParaRPr lang="en-US"/>
           </a:p>
@@ -1014,7 +1014,7 @@
           <a:p>
             <a:fld id="{CDC54083-5E77-40A2-BF7F-593D80E5935C}" type="datetimeFigureOut">
               <a:rPr lang="en-US" smtClean="0"/>
-              <a:t>12/25/2019</a:t>
+              <a:t>12/26/2019</a:t>
             </a:fld>
             <a:endParaRPr lang="en-US"/>
           </a:p>
@@ -1246,7 +1246,7 @@
           <a:p>
             <a:fld id="{CDC54083-5E77-40A2-BF7F-593D80E5935C}" type="datetimeFigureOut">
               <a:rPr lang="en-US" smtClean="0"/>
-              <a:t>12/25/2019</a:t>
+              <a:t>12/26/2019</a:t>
             </a:fld>
             <a:endParaRPr lang="en-US"/>
           </a:p>
@@ -1613,7 +1613,7 @@
           <a:p>
             <a:fld id="{CDC54083-5E77-40A2-BF7F-593D80E5935C}" type="datetimeFigureOut">
               <a:rPr lang="en-US" smtClean="0"/>
-              <a:t>12/25/2019</a:t>
+              <a:t>12/26/2019</a:t>
             </a:fld>
             <a:endParaRPr lang="en-US"/>
           </a:p>
@@ -1731,7 +1731,7 @@
           <a:p>
             <a:fld id="{CDC54083-5E77-40A2-BF7F-593D80E5935C}" type="datetimeFigureOut">
               <a:rPr lang="en-US" smtClean="0"/>
-              <a:t>12/25/2019</a:t>
+              <a:t>12/26/2019</a:t>
             </a:fld>
             <a:endParaRPr lang="en-US"/>
           </a:p>
@@ -1826,7 +1826,7 @@
           <a:p>
             <a:fld id="{CDC54083-5E77-40A2-BF7F-593D80E5935C}" type="datetimeFigureOut">
               <a:rPr lang="en-US" smtClean="0"/>
-              <a:t>12/25/2019</a:t>
+              <a:t>12/26/2019</a:t>
             </a:fld>
             <a:endParaRPr lang="en-US"/>
           </a:p>
@@ -2103,7 +2103,7 @@
           <a:p>
             <a:fld id="{CDC54083-5E77-40A2-BF7F-593D80E5935C}" type="datetimeFigureOut">
               <a:rPr lang="en-US" smtClean="0"/>
-              <a:t>12/25/2019</a:t>
+              <a:t>12/26/2019</a:t>
             </a:fld>
             <a:endParaRPr lang="en-US"/>
           </a:p>
@@ -2356,7 +2356,7 @@
           <a:p>
             <a:fld id="{CDC54083-5E77-40A2-BF7F-593D80E5935C}" type="datetimeFigureOut">
               <a:rPr lang="en-US" smtClean="0"/>
-              <a:t>12/25/2019</a:t>
+              <a:t>12/26/2019</a:t>
             </a:fld>
             <a:endParaRPr lang="en-US"/>
           </a:p>
@@ -2569,7 +2569,7 @@
           <a:p>
             <a:fld id="{CDC54083-5E77-40A2-BF7F-593D80E5935C}" type="datetimeFigureOut">
               <a:rPr lang="en-US" smtClean="0"/>
-              <a:t>12/25/2019</a:t>
+              <a:t>12/26/2019</a:t>
             </a:fld>
             <a:endParaRPr lang="en-US"/>
           </a:p>
@@ -6229,8 +6229,8 @@
         </p:nvSpPr>
         <p:spPr>
           <a:xfrm>
-            <a:off x="408405" y="4724400"/>
-            <a:ext cx="3754582" cy="369332"/>
+            <a:off x="363541" y="4707448"/>
+            <a:ext cx="3754582" cy="400110"/>
           </a:xfrm>
           <a:prstGeom prst="rect">
             <a:avLst/>
@@ -6241,31 +6241,23 @@
           <a:bodyPr wrap="square" rtlCol="0">
             <a:spAutoFit/>
           </a:bodyPr>
-          <a:lstStyle/>
-          <a:p>
-            <a:r>
-              <a:rPr lang="en-US" b="1" dirty="0" smtClean="0">
-                <a:solidFill>
-                  <a:schemeClr val="tx1">
-                    <a:lumMod val="75000"/>
-                    <a:lumOff val="25000"/>
-                  </a:schemeClr>
-                </a:solidFill>
+          <a:lstStyle>
+            <a:defPPr>
+              <a:defRPr lang="en-US"/>
+            </a:defPPr>
+            <a:lvl1pPr>
+              <a:defRPr sz="2000" b="1">
                 <a:latin typeface="Bell MT" panose="02020503060305020303" pitchFamily="18" charset="0"/>
                 <a:cs typeface="Arial" panose="020B0604020202020204" pitchFamily="34" charset="0"/>
-              </a:rPr>
+              </a:defRPr>
+            </a:lvl1pPr>
+          </a:lstStyle>
+          <a:p>
+            <a:r>
+              <a:rPr lang="en-US" dirty="0"/>
               <a:t>DB Tables, Views and Files</a:t>
             </a:r>
-            <a:endParaRPr lang="en-US" b="1" dirty="0">
-              <a:solidFill>
-                <a:schemeClr val="tx1">
-                  <a:lumMod val="75000"/>
-                  <a:lumOff val="25000"/>
-                </a:schemeClr>
-              </a:solidFill>
-              <a:latin typeface="Bell MT" panose="02020503060305020303" pitchFamily="18" charset="0"/>
-              <a:cs typeface="Arial" panose="020B0604020202020204" pitchFamily="34" charset="0"/>
-            </a:endParaRPr>
+            <a:endParaRPr lang="en-US" dirty="0"/>
           </a:p>
         </p:txBody>
       </p:sp>
@@ -6277,8 +6269,8 @@
         </p:nvSpPr>
         <p:spPr>
           <a:xfrm>
-            <a:off x="872226" y="1204887"/>
-            <a:ext cx="2826940" cy="369332"/>
+            <a:off x="595132" y="1218731"/>
+            <a:ext cx="2826940" cy="400110"/>
           </a:xfrm>
           <a:prstGeom prst="rect">
             <a:avLst/>
@@ -6292,25 +6284,13 @@
           <a:lstStyle/>
           <a:p>
             <a:r>
-              <a:rPr lang="en-US" b="1" dirty="0" smtClean="0">
-                <a:solidFill>
-                  <a:schemeClr val="tx1">
-                    <a:lumMod val="75000"/>
-                    <a:lumOff val="25000"/>
-                  </a:schemeClr>
-                </a:solidFill>
+              <a:rPr lang="en-US" sz="2000" b="1" dirty="0" smtClean="0">
                 <a:latin typeface="Bell MT" panose="02020503060305020303" pitchFamily="18" charset="0"/>
                 <a:cs typeface="Arial" panose="020B0604020202020204" pitchFamily="34" charset="0"/>
               </a:rPr>
               <a:t>Reading to DataFrame</a:t>
             </a:r>
-            <a:endParaRPr lang="en-US" b="1" dirty="0">
-              <a:solidFill>
-                <a:schemeClr val="tx1">
-                  <a:lumMod val="75000"/>
-                  <a:lumOff val="25000"/>
-                </a:schemeClr>
-              </a:solidFill>
+            <a:endParaRPr lang="en-US" sz="2000" b="1" dirty="0">
               <a:latin typeface="Bell MT" panose="02020503060305020303" pitchFamily="18" charset="0"/>
               <a:cs typeface="Arial" panose="020B0604020202020204" pitchFamily="34" charset="0"/>
             </a:endParaRPr>
@@ -6326,7 +6306,7 @@
         <p:spPr>
           <a:xfrm>
             <a:off x="5153277" y="466551"/>
-            <a:ext cx="2826940" cy="369332"/>
+            <a:ext cx="2826940" cy="400110"/>
           </a:xfrm>
           <a:prstGeom prst="rect">
             <a:avLst/>
@@ -6337,31 +6317,23 @@
           <a:bodyPr wrap="square" rtlCol="0">
             <a:spAutoFit/>
           </a:bodyPr>
-          <a:lstStyle/>
-          <a:p>
-            <a:r>
-              <a:rPr lang="en-US" b="1" dirty="0" smtClean="0">
-                <a:solidFill>
-                  <a:schemeClr val="tx1">
-                    <a:lumMod val="75000"/>
-                    <a:lumOff val="25000"/>
-                  </a:schemeClr>
-                </a:solidFill>
+          <a:lstStyle>
+            <a:defPPr>
+              <a:defRPr lang="en-US"/>
+            </a:defPPr>
+            <a:lvl1pPr>
+              <a:defRPr sz="2000" b="1">
                 <a:latin typeface="Bell MT" panose="02020503060305020303" pitchFamily="18" charset="0"/>
                 <a:cs typeface="Arial" panose="020B0604020202020204" pitchFamily="34" charset="0"/>
-              </a:rPr>
+              </a:defRPr>
+            </a:lvl1pPr>
+          </a:lstStyle>
+          <a:p>
+            <a:r>
+              <a:rPr lang="en-US" dirty="0"/>
               <a:t>Subset each Batch</a:t>
             </a:r>
-            <a:endParaRPr lang="en-US" b="1" dirty="0">
-              <a:solidFill>
-                <a:schemeClr val="tx1">
-                  <a:lumMod val="75000"/>
-                  <a:lumOff val="25000"/>
-                </a:schemeClr>
-              </a:solidFill>
-              <a:latin typeface="Bell MT" panose="02020503060305020303" pitchFamily="18" charset="0"/>
-              <a:cs typeface="Arial" panose="020B0604020202020204" pitchFamily="34" charset="0"/>
-            </a:endParaRPr>
+            <a:endParaRPr lang="en-US" dirty="0"/>
           </a:p>
         </p:txBody>
       </p:sp>
@@ -6374,7 +6346,7 @@
         <p:spPr>
           <a:xfrm>
             <a:off x="9229350" y="1218731"/>
-            <a:ext cx="2826940" cy="369332"/>
+            <a:ext cx="2826940" cy="400110"/>
           </a:xfrm>
           <a:prstGeom prst="rect">
             <a:avLst/>
@@ -6385,31 +6357,23 @@
           <a:bodyPr wrap="square" rtlCol="0">
             <a:spAutoFit/>
           </a:bodyPr>
-          <a:lstStyle/>
-          <a:p>
-            <a:r>
-              <a:rPr lang="en-US" b="1" dirty="0" smtClean="0">
-                <a:solidFill>
-                  <a:schemeClr val="tx1">
-                    <a:lumMod val="75000"/>
-                    <a:lumOff val="25000"/>
-                  </a:schemeClr>
-                </a:solidFill>
+          <a:lstStyle>
+            <a:defPPr>
+              <a:defRPr lang="en-US"/>
+            </a:defPPr>
+            <a:lvl1pPr>
+              <a:defRPr sz="2000" b="1">
                 <a:latin typeface="Bell MT" panose="02020503060305020303" pitchFamily="18" charset="0"/>
                 <a:cs typeface="Arial" panose="020B0604020202020204" pitchFamily="34" charset="0"/>
-              </a:rPr>
+              </a:defRPr>
+            </a:lvl1pPr>
+          </a:lstStyle>
+          <a:p>
+            <a:r>
+              <a:rPr lang="en-US" dirty="0"/>
               <a:t>Filtering Features</a:t>
             </a:r>
-            <a:endParaRPr lang="en-US" b="1" dirty="0">
-              <a:solidFill>
-                <a:schemeClr val="tx1">
-                  <a:lumMod val="75000"/>
-                  <a:lumOff val="25000"/>
-                </a:schemeClr>
-              </a:solidFill>
-              <a:latin typeface="Bell MT" panose="02020503060305020303" pitchFamily="18" charset="0"/>
-              <a:cs typeface="Arial" panose="020B0604020202020204" pitchFamily="34" charset="0"/>
-            </a:endParaRPr>
+            <a:endParaRPr lang="en-US" dirty="0"/>
           </a:p>
         </p:txBody>
       </p:sp>
@@ -6421,8 +6385,8 @@
         </p:nvSpPr>
         <p:spPr>
           <a:xfrm>
-            <a:off x="8922327" y="4564064"/>
-            <a:ext cx="3009272" cy="369332"/>
+            <a:off x="8922021" y="4470146"/>
+            <a:ext cx="3269979" cy="400110"/>
           </a:xfrm>
           <a:prstGeom prst="rect">
             <a:avLst/>
@@ -6433,31 +6397,23 @@
           <a:bodyPr wrap="square" rtlCol="0">
             <a:spAutoFit/>
           </a:bodyPr>
-          <a:lstStyle/>
-          <a:p>
-            <a:r>
-              <a:rPr lang="en-US" b="1" dirty="0" smtClean="0">
-                <a:solidFill>
-                  <a:schemeClr val="tx1">
-                    <a:lumMod val="75000"/>
-                    <a:lumOff val="25000"/>
-                  </a:schemeClr>
-                </a:solidFill>
+          <a:lstStyle>
+            <a:defPPr>
+              <a:defRPr lang="en-US"/>
+            </a:defPPr>
+            <a:lvl1pPr>
+              <a:defRPr sz="2000" b="1">
                 <a:latin typeface="Bell MT" panose="02020503060305020303" pitchFamily="18" charset="0"/>
                 <a:cs typeface="Arial" panose="020B0604020202020204" pitchFamily="34" charset="0"/>
-              </a:rPr>
+              </a:defRPr>
+            </a:lvl1pPr>
+          </a:lstStyle>
+          <a:p>
+            <a:r>
+              <a:rPr lang="en-US" dirty="0"/>
               <a:t>Keeping Track of Features</a:t>
             </a:r>
-            <a:endParaRPr lang="en-US" b="1" dirty="0">
-              <a:solidFill>
-                <a:schemeClr val="tx1">
-                  <a:lumMod val="75000"/>
-                  <a:lumOff val="25000"/>
-                </a:schemeClr>
-              </a:solidFill>
-              <a:latin typeface="Bell MT" panose="02020503060305020303" pitchFamily="18" charset="0"/>
-              <a:cs typeface="Arial" panose="020B0604020202020204" pitchFamily="34" charset="0"/>
-            </a:endParaRPr>
+            <a:endParaRPr lang="en-US" dirty="0"/>
           </a:p>
         </p:txBody>
       </p:sp>
@@ -6469,8 +6425,8 @@
         </p:nvSpPr>
         <p:spPr>
           <a:xfrm>
-            <a:off x="3275182" y="5945172"/>
-            <a:ext cx="3009272" cy="369332"/>
+            <a:off x="3090101" y="5988348"/>
+            <a:ext cx="3009272" cy="400110"/>
           </a:xfrm>
           <a:prstGeom prst="rect">
             <a:avLst/>
@@ -6481,20 +6437,25 @@
           <a:bodyPr wrap="square" rtlCol="0">
             <a:spAutoFit/>
           </a:bodyPr>
-          <a:lstStyle/>
-          <a:p>
-            <a:r>
-              <a:rPr lang="en-US" b="1" dirty="0" smtClean="0">
-                <a:solidFill>
-                  <a:schemeClr val="tx1">
-                    <a:lumMod val="75000"/>
-                    <a:lumOff val="25000"/>
-                  </a:schemeClr>
-                </a:solidFill>
+          <a:lstStyle>
+            <a:defPPr>
+              <a:defRPr lang="en-US"/>
+            </a:defPPr>
+            <a:lvl1pPr>
+              <a:defRPr sz="2000" b="1">
                 <a:latin typeface="Bell MT" panose="02020503060305020303" pitchFamily="18" charset="0"/>
                 <a:cs typeface="Arial" panose="020B0604020202020204" pitchFamily="34" charset="0"/>
-              </a:rPr>
-              <a:t>Compiling Features</a:t>
+              </a:defRPr>
+            </a:lvl1pPr>
+          </a:lstStyle>
+          <a:p>
+            <a:r>
+              <a:rPr lang="en-US" dirty="0"/>
+              <a:t>Compiling</a:t>
+            </a:r>
+            <a:r>
+              <a:rPr lang="en-US" dirty="0"/>
+              <a:t> Features</a:t>
             </a:r>
           </a:p>
         </p:txBody>
@@ -6570,8 +6531,8 @@
         </p:nvSpPr>
         <p:spPr>
           <a:xfrm>
-            <a:off x="6475581" y="5703252"/>
-            <a:ext cx="3009272" cy="646331"/>
+            <a:off x="6524877" y="5689163"/>
+            <a:ext cx="3784017" cy="707886"/>
           </a:xfrm>
           <a:prstGeom prst="rect">
             <a:avLst/>
@@ -6582,31 +6543,23 @@
           <a:bodyPr wrap="square" rtlCol="0">
             <a:spAutoFit/>
           </a:bodyPr>
-          <a:lstStyle/>
-          <a:p>
-            <a:r>
-              <a:rPr lang="en-US" b="1" dirty="0" smtClean="0">
-                <a:solidFill>
-                  <a:schemeClr val="tx1">
-                    <a:lumMod val="75000"/>
-                    <a:lumOff val="25000"/>
-                  </a:schemeClr>
-                </a:solidFill>
+          <a:lstStyle>
+            <a:defPPr>
+              <a:defRPr lang="en-US"/>
+            </a:defPPr>
+            <a:lvl1pPr>
+              <a:defRPr sz="2000" b="1">
                 <a:latin typeface="Bell MT" panose="02020503060305020303" pitchFamily="18" charset="0"/>
                 <a:cs typeface="Arial" panose="020B0604020202020204" pitchFamily="34" charset="0"/>
-              </a:rPr>
+              </a:defRPr>
+            </a:lvl1pPr>
+          </a:lstStyle>
+          <a:p>
+            <a:r>
+              <a:rPr lang="en-US" dirty="0"/>
               <a:t>Lookup for Chart Event, Diagnoses and Procedure</a:t>
             </a:r>
-            <a:endParaRPr lang="en-US" b="1" dirty="0">
-              <a:solidFill>
-                <a:schemeClr val="tx1">
-                  <a:lumMod val="75000"/>
-                  <a:lumOff val="25000"/>
-                </a:schemeClr>
-              </a:solidFill>
-              <a:latin typeface="Bell MT" panose="02020503060305020303" pitchFamily="18" charset="0"/>
-              <a:cs typeface="Arial" panose="020B0604020202020204" pitchFamily="34" charset="0"/>
-            </a:endParaRPr>
+            <a:endParaRPr lang="en-US" dirty="0"/>
           </a:p>
         </p:txBody>
       </p:sp>

--- a/Presentation.pptx
+++ b/Presentation.pptx
@@ -248,7 +248,7 @@
           <a:p>
             <a:fld id="{CDC54083-5E77-40A2-BF7F-593D80E5935C}" type="datetimeFigureOut">
               <a:rPr lang="en-US" smtClean="0"/>
-              <a:t>12/26/2019</a:t>
+              <a:t>1/8/2020</a:t>
             </a:fld>
             <a:endParaRPr lang="en-US"/>
           </a:p>
@@ -418,7 +418,7 @@
           <a:p>
             <a:fld id="{CDC54083-5E77-40A2-BF7F-593D80E5935C}" type="datetimeFigureOut">
               <a:rPr lang="en-US" smtClean="0"/>
-              <a:t>12/26/2019</a:t>
+              <a:t>1/8/2020</a:t>
             </a:fld>
             <a:endParaRPr lang="en-US"/>
           </a:p>
@@ -598,7 +598,7 @@
           <a:p>
             <a:fld id="{CDC54083-5E77-40A2-BF7F-593D80E5935C}" type="datetimeFigureOut">
               <a:rPr lang="en-US" smtClean="0"/>
-              <a:t>12/26/2019</a:t>
+              <a:t>1/8/2020</a:t>
             </a:fld>
             <a:endParaRPr lang="en-US"/>
           </a:p>
@@ -768,7 +768,7 @@
           <a:p>
             <a:fld id="{CDC54083-5E77-40A2-BF7F-593D80E5935C}" type="datetimeFigureOut">
               <a:rPr lang="en-US" smtClean="0"/>
-              <a:t>12/26/2019</a:t>
+              <a:t>1/8/2020</a:t>
             </a:fld>
             <a:endParaRPr lang="en-US"/>
           </a:p>
@@ -1014,7 +1014,7 @@
           <a:p>
             <a:fld id="{CDC54083-5E77-40A2-BF7F-593D80E5935C}" type="datetimeFigureOut">
               <a:rPr lang="en-US" smtClean="0"/>
-              <a:t>12/26/2019</a:t>
+              <a:t>1/8/2020</a:t>
             </a:fld>
             <a:endParaRPr lang="en-US"/>
           </a:p>
@@ -1246,7 +1246,7 @@
           <a:p>
             <a:fld id="{CDC54083-5E77-40A2-BF7F-593D80E5935C}" type="datetimeFigureOut">
               <a:rPr lang="en-US" smtClean="0"/>
-              <a:t>12/26/2019</a:t>
+              <a:t>1/8/2020</a:t>
             </a:fld>
             <a:endParaRPr lang="en-US"/>
           </a:p>
@@ -1613,7 +1613,7 @@
           <a:p>
             <a:fld id="{CDC54083-5E77-40A2-BF7F-593D80E5935C}" type="datetimeFigureOut">
               <a:rPr lang="en-US" smtClean="0"/>
-              <a:t>12/26/2019</a:t>
+              <a:t>1/8/2020</a:t>
             </a:fld>
             <a:endParaRPr lang="en-US"/>
           </a:p>
@@ -1731,7 +1731,7 @@
           <a:p>
             <a:fld id="{CDC54083-5E77-40A2-BF7F-593D80E5935C}" type="datetimeFigureOut">
               <a:rPr lang="en-US" smtClean="0"/>
-              <a:t>12/26/2019</a:t>
+              <a:t>1/8/2020</a:t>
             </a:fld>
             <a:endParaRPr lang="en-US"/>
           </a:p>
@@ -1826,7 +1826,7 @@
           <a:p>
             <a:fld id="{CDC54083-5E77-40A2-BF7F-593D80E5935C}" type="datetimeFigureOut">
               <a:rPr lang="en-US" smtClean="0"/>
-              <a:t>12/26/2019</a:t>
+              <a:t>1/8/2020</a:t>
             </a:fld>
             <a:endParaRPr lang="en-US"/>
           </a:p>
@@ -2103,7 +2103,7 @@
           <a:p>
             <a:fld id="{CDC54083-5E77-40A2-BF7F-593D80E5935C}" type="datetimeFigureOut">
               <a:rPr lang="en-US" smtClean="0"/>
-              <a:t>12/26/2019</a:t>
+              <a:t>1/8/2020</a:t>
             </a:fld>
             <a:endParaRPr lang="en-US"/>
           </a:p>
@@ -2356,7 +2356,7 @@
           <a:p>
             <a:fld id="{CDC54083-5E77-40A2-BF7F-593D80E5935C}" type="datetimeFigureOut">
               <a:rPr lang="en-US" smtClean="0"/>
-              <a:t>12/26/2019</a:t>
+              <a:t>1/8/2020</a:t>
             </a:fld>
             <a:endParaRPr lang="en-US"/>
           </a:p>
@@ -2569,7 +2569,7 @@
           <a:p>
             <a:fld id="{CDC54083-5E77-40A2-BF7F-593D80E5935C}" type="datetimeFigureOut">
               <a:rPr lang="en-US" smtClean="0"/>
-              <a:t>12/26/2019</a:t>
+              <a:t>1/8/2020</a:t>
             </a:fld>
             <a:endParaRPr lang="en-US"/>
           </a:p>
@@ -3053,14 +3053,14 @@
           <p:nvPr>
             <p:extLst>
               <p:ext uri="{D42A27DB-BD31-4B8C-83A1-F6EECF244321}">
-                <p14:modId xmlns:p14="http://schemas.microsoft.com/office/powerpoint/2010/main" val="4283013137"/>
+                <p14:modId xmlns:p14="http://schemas.microsoft.com/office/powerpoint/2010/main" val="875775362"/>
               </p:ext>
             </p:extLst>
           </p:nvPr>
         </p:nvGraphicFramePr>
         <p:xfrm>
           <a:off x="1" y="-240782"/>
-          <a:ext cx="12192000" cy="7098782"/>
+          <a:ext cx="12192000" cy="7062683"/>
         </p:xfrm>
         <a:graphic>
           <a:graphicData uri="http://schemas.openxmlformats.org/drawingml/2006/table">
@@ -3495,6 +3495,18 @@
                     <a:lstStyle/>
                     <a:p>
                       <a:pPr algn="ctr"/>
+                      <a:endParaRPr lang="en-US" sz="1800" b="0" i="0" kern="1200" dirty="0" smtClean="0">
+                        <a:solidFill>
+                          <a:schemeClr val="dk1"/>
+                        </a:solidFill>
+                        <a:effectLst/>
+                        <a:latin typeface="Times New Roman" panose="02020603050405020304" pitchFamily="18" charset="0"/>
+                        <a:ea typeface="+mn-ea"/>
+                        <a:cs typeface="Times New Roman" panose="02020603050405020304" pitchFamily="18" charset="0"/>
+                      </a:endParaRPr>
+                    </a:p>
+                    <a:p>
+                      <a:pPr algn="ctr"/>
                       <a:r>
                         <a:rPr lang="en-US" sz="1800" b="0" i="0" kern="1200" dirty="0" smtClean="0">
                           <a:solidFill>
@@ -3505,7 +3517,19 @@
                           <a:ea typeface="+mn-ea"/>
                           <a:cs typeface="Times New Roman" panose="02020603050405020304" pitchFamily="18" charset="0"/>
                         </a:rPr>
-                        <a:t>Benchmark of deep learning models on large healthcare mimic datasets </a:t>
+                        <a:t>Benchmark </a:t>
+                      </a:r>
+                      <a:r>
+                        <a:rPr lang="en-US" sz="1800" b="0" i="0" kern="1200" dirty="0" smtClean="0">
+                          <a:solidFill>
+                            <a:schemeClr val="dk1"/>
+                          </a:solidFill>
+                          <a:effectLst/>
+                          <a:latin typeface="Times New Roman" panose="02020603050405020304" pitchFamily="18" charset="0"/>
+                          <a:ea typeface="+mn-ea"/>
+                          <a:cs typeface="Times New Roman" panose="02020603050405020304" pitchFamily="18" charset="0"/>
+                        </a:rPr>
+                        <a:t>of deep learning models on large healthcare mimic datasets </a:t>
                       </a:r>
                       <a:r>
                         <a:rPr lang="en-US" sz="1800" b="1" i="0" kern="1200" dirty="0" smtClean="0">
@@ -3920,17 +3944,6 @@
                   <a:txBody>
                     <a:bodyPr/>
                     <a:lstStyle/>
-                    <a:p>
-                      <a:endParaRPr lang="en-US" sz="1800" b="0" i="0" kern="1200" dirty="0" smtClean="0">
-                        <a:solidFill>
-                          <a:schemeClr val="dk1"/>
-                        </a:solidFill>
-                        <a:effectLst/>
-                        <a:latin typeface="+mn-lt"/>
-                        <a:ea typeface="+mn-ea"/>
-                        <a:cs typeface="+mn-cs"/>
-                      </a:endParaRPr>
-                    </a:p>
                     <a:p>
                       <a:r>
                         <a:rPr lang="en-US" sz="1800" b="0" i="0" kern="1200" dirty="0" smtClean="0">
@@ -6257,7 +6270,6 @@
               <a:rPr lang="en-US" dirty="0"/>
               <a:t>DB Tables, Views and Files</a:t>
             </a:r>
-            <a:endParaRPr lang="en-US" dirty="0"/>
           </a:p>
         </p:txBody>
       </p:sp>
@@ -6333,7 +6345,6 @@
               <a:rPr lang="en-US" dirty="0"/>
               <a:t>Subset each Batch</a:t>
             </a:r>
-            <a:endParaRPr lang="en-US" dirty="0"/>
           </a:p>
         </p:txBody>
       </p:sp>
@@ -6373,7 +6384,6 @@
               <a:rPr lang="en-US" dirty="0"/>
               <a:t>Filtering Features</a:t>
             </a:r>
-            <a:endParaRPr lang="en-US" dirty="0"/>
           </a:p>
         </p:txBody>
       </p:sp>
@@ -6413,7 +6423,6 @@
               <a:rPr lang="en-US" dirty="0"/>
               <a:t>Keeping Track of Features</a:t>
             </a:r>
-            <a:endParaRPr lang="en-US" dirty="0"/>
           </a:p>
         </p:txBody>
       </p:sp>
@@ -6451,11 +6460,7 @@
           <a:p>
             <a:r>
               <a:rPr lang="en-US" dirty="0"/>
-              <a:t>Compiling</a:t>
-            </a:r>
-            <a:r>
-              <a:rPr lang="en-US" dirty="0"/>
-              <a:t> Features</a:t>
+              <a:t>Compiling Features</a:t>
             </a:r>
           </a:p>
         </p:txBody>
@@ -6559,7 +6564,6 @@
               <a:rPr lang="en-US" dirty="0"/>
               <a:t>Lookup for Chart Event, Diagnoses and Procedure</a:t>
             </a:r>
-            <a:endParaRPr lang="en-US" dirty="0"/>
           </a:p>
         </p:txBody>
       </p:sp>

--- a/Presentation.pptx
+++ b/Presentation.pptx
@@ -5,12 +5,7 @@
     <p:sldMasterId id="2147483648" r:id="rId1"/>
   </p:sldMasterIdLst>
   <p:sldIdLst>
-    <p:sldId id="256" r:id="rId2"/>
-    <p:sldId id="257" r:id="rId3"/>
-    <p:sldId id="260" r:id="rId4"/>
-    <p:sldId id="259" r:id="rId5"/>
-    <p:sldId id="258" r:id="rId6"/>
-    <p:sldId id="262" r:id="rId7"/>
+    <p:sldId id="262" r:id="rId2"/>
   </p:sldIdLst>
   <p:sldSz cx="12192000" cy="6858000"/>
   <p:notesSz cx="6858000" cy="9144000"/>
@@ -248,7 +243,7 @@
           <a:p>
             <a:fld id="{CDC54083-5E77-40A2-BF7F-593D80E5935C}" type="datetimeFigureOut">
               <a:rPr lang="en-US" smtClean="0"/>
-              <a:t>1/8/2020</a:t>
+              <a:t>1/14/2020</a:t>
             </a:fld>
             <a:endParaRPr lang="en-US"/>
           </a:p>
@@ -418,7 +413,7 @@
           <a:p>
             <a:fld id="{CDC54083-5E77-40A2-BF7F-593D80E5935C}" type="datetimeFigureOut">
               <a:rPr lang="en-US" smtClean="0"/>
-              <a:t>1/8/2020</a:t>
+              <a:t>1/14/2020</a:t>
             </a:fld>
             <a:endParaRPr lang="en-US"/>
           </a:p>
@@ -598,7 +593,7 @@
           <a:p>
             <a:fld id="{CDC54083-5E77-40A2-BF7F-593D80E5935C}" type="datetimeFigureOut">
               <a:rPr lang="en-US" smtClean="0"/>
-              <a:t>1/8/2020</a:t>
+              <a:t>1/14/2020</a:t>
             </a:fld>
             <a:endParaRPr lang="en-US"/>
           </a:p>
@@ -768,7 +763,7 @@
           <a:p>
             <a:fld id="{CDC54083-5E77-40A2-BF7F-593D80E5935C}" type="datetimeFigureOut">
               <a:rPr lang="en-US" smtClean="0"/>
-              <a:t>1/8/2020</a:t>
+              <a:t>1/14/2020</a:t>
             </a:fld>
             <a:endParaRPr lang="en-US"/>
           </a:p>
@@ -1014,7 +1009,7 @@
           <a:p>
             <a:fld id="{CDC54083-5E77-40A2-BF7F-593D80E5935C}" type="datetimeFigureOut">
               <a:rPr lang="en-US" smtClean="0"/>
-              <a:t>1/8/2020</a:t>
+              <a:t>1/14/2020</a:t>
             </a:fld>
             <a:endParaRPr lang="en-US"/>
           </a:p>
@@ -1246,7 +1241,7 @@
           <a:p>
             <a:fld id="{CDC54083-5E77-40A2-BF7F-593D80E5935C}" type="datetimeFigureOut">
               <a:rPr lang="en-US" smtClean="0"/>
-              <a:t>1/8/2020</a:t>
+              <a:t>1/14/2020</a:t>
             </a:fld>
             <a:endParaRPr lang="en-US"/>
           </a:p>
@@ -1613,7 +1608,7 @@
           <a:p>
             <a:fld id="{CDC54083-5E77-40A2-BF7F-593D80E5935C}" type="datetimeFigureOut">
               <a:rPr lang="en-US" smtClean="0"/>
-              <a:t>1/8/2020</a:t>
+              <a:t>1/14/2020</a:t>
             </a:fld>
             <a:endParaRPr lang="en-US"/>
           </a:p>
@@ -1731,7 +1726,7 @@
           <a:p>
             <a:fld id="{CDC54083-5E77-40A2-BF7F-593D80E5935C}" type="datetimeFigureOut">
               <a:rPr lang="en-US" smtClean="0"/>
-              <a:t>1/8/2020</a:t>
+              <a:t>1/14/2020</a:t>
             </a:fld>
             <a:endParaRPr lang="en-US"/>
           </a:p>
@@ -1826,7 +1821,7 @@
           <a:p>
             <a:fld id="{CDC54083-5E77-40A2-BF7F-593D80E5935C}" type="datetimeFigureOut">
               <a:rPr lang="en-US" smtClean="0"/>
-              <a:t>1/8/2020</a:t>
+              <a:t>1/14/2020</a:t>
             </a:fld>
             <a:endParaRPr lang="en-US"/>
           </a:p>
@@ -2103,7 +2098,7 @@
           <a:p>
             <a:fld id="{CDC54083-5E77-40A2-BF7F-593D80E5935C}" type="datetimeFigureOut">
               <a:rPr lang="en-US" smtClean="0"/>
-              <a:t>1/8/2020</a:t>
+              <a:t>1/14/2020</a:t>
             </a:fld>
             <a:endParaRPr lang="en-US"/>
           </a:p>
@@ -2356,7 +2351,7 @@
           <a:p>
             <a:fld id="{CDC54083-5E77-40A2-BF7F-593D80E5935C}" type="datetimeFigureOut">
               <a:rPr lang="en-US" smtClean="0"/>
-              <a:t>1/8/2020</a:t>
+              <a:t>1/14/2020</a:t>
             </a:fld>
             <a:endParaRPr lang="en-US"/>
           </a:p>
@@ -2569,7 +2564,7 @@
           <a:p>
             <a:fld id="{CDC54083-5E77-40A2-BF7F-593D80E5935C}" type="datetimeFigureOut">
               <a:rPr lang="en-US" smtClean="0"/>
-              <a:t>1/8/2020</a:t>
+              <a:t>1/14/2020</a:t>
             </a:fld>
             <a:endParaRPr lang="en-US"/>
           </a:p>
@@ -2976,2921 +2971,6 @@
       </p:grpSpPr>
       <p:pic>
         <p:nvPicPr>
-          <p:cNvPr id="4" name="Picture 3" descr="Figure 1"/>
-          <p:cNvPicPr/>
-          <p:nvPr/>
-        </p:nvPicPr>
-        <p:blipFill>
-          <a:blip r:embed="rId2" cstate="print">
-            <a:extLst>
-              <a:ext uri="{28A0092B-C50C-407E-A947-70E740481C1C}">
-                <a14:useLocalDpi xmlns:a14="http://schemas.microsoft.com/office/drawing/2010/main" val="0"/>
-              </a:ext>
-            </a:extLst>
-          </a:blip>
-          <a:srcRect/>
-          <a:stretch>
-            <a:fillRect/>
-          </a:stretch>
-        </p:blipFill>
-        <p:spPr bwMode="auto">
-          <a:xfrm>
-            <a:off x="0" y="0"/>
-            <a:ext cx="12192000" cy="6857999"/>
-          </a:xfrm>
-          <a:prstGeom prst="rect">
-            <a:avLst/>
-          </a:prstGeom>
-          <a:noFill/>
-          <a:ln>
-            <a:noFill/>
-          </a:ln>
-        </p:spPr>
-      </p:pic>
-    </p:spTree>
-    <p:extLst>
-      <p:ext uri="{BB962C8B-B14F-4D97-AF65-F5344CB8AC3E}">
-        <p14:creationId xmlns:p14="http://schemas.microsoft.com/office/powerpoint/2010/main" val="3224620650"/>
-      </p:ext>
-    </p:extLst>
-  </p:cSld>
-  <p:clrMapOvr>
-    <a:masterClrMapping/>
-  </p:clrMapOvr>
-  <p:timing>
-    <p:tnLst>
-      <p:par>
-        <p:cTn id="1" dur="indefinite" restart="never" nodeType="tmRoot"/>
-      </p:par>
-    </p:tnLst>
-  </p:timing>
-</p:sld>
-</file>
-
-<file path=ppt/slides/slide2.xml><?xml version="1.0" encoding="utf-8"?>
-<p:sld xmlns:a="http://schemas.openxmlformats.org/drawingml/2006/main" xmlns:r="http://schemas.openxmlformats.org/officeDocument/2006/relationships" xmlns:p="http://schemas.openxmlformats.org/presentationml/2006/main">
-  <p:cSld>
-    <p:spTree>
-      <p:nvGrpSpPr>
-        <p:cNvPr id="1" name=""/>
-        <p:cNvGrpSpPr/>
-        <p:nvPr/>
-      </p:nvGrpSpPr>
-      <p:grpSpPr>
-        <a:xfrm>
-          <a:off x="0" y="0"/>
-          <a:ext cx="0" cy="0"/>
-          <a:chOff x="0" y="0"/>
-          <a:chExt cx="0" cy="0"/>
-        </a:xfrm>
-      </p:grpSpPr>
-      <p:graphicFrame>
-        <p:nvGraphicFramePr>
-          <p:cNvPr id="2" name="Table 1"/>
-          <p:cNvGraphicFramePr>
-            <a:graphicFrameLocks noGrp="1"/>
-          </p:cNvGraphicFramePr>
-          <p:nvPr>
-            <p:extLst>
-              <p:ext uri="{D42A27DB-BD31-4B8C-83A1-F6EECF244321}">
-                <p14:modId xmlns:p14="http://schemas.microsoft.com/office/powerpoint/2010/main" val="875775362"/>
-              </p:ext>
-            </p:extLst>
-          </p:nvPr>
-        </p:nvGraphicFramePr>
-        <p:xfrm>
-          <a:off x="1" y="-240782"/>
-          <a:ext cx="12192000" cy="7062683"/>
-        </p:xfrm>
-        <a:graphic>
-          <a:graphicData uri="http://schemas.openxmlformats.org/drawingml/2006/table">
-            <a:tbl>
-              <a:tblPr firstRow="1" bandRow="1">
-                <a:tableStyleId>{F5AB1C69-6EDB-4FF4-983F-18BD219EF322}</a:tableStyleId>
-              </a:tblPr>
-              <a:tblGrid>
-                <a:gridCol w="3782291">
-                  <a:extLst>
-                    <a:ext uri="{9D8B030D-6E8A-4147-A177-3AD203B41FA5}">
-                      <a16:colId xmlns:a16="http://schemas.microsoft.com/office/drawing/2014/main" val="2769157857"/>
-                    </a:ext>
-                  </a:extLst>
-                </a:gridCol>
-                <a:gridCol w="1551709">
-                  <a:extLst>
-                    <a:ext uri="{9D8B030D-6E8A-4147-A177-3AD203B41FA5}">
-                      <a16:colId xmlns:a16="http://schemas.microsoft.com/office/drawing/2014/main" val="3322779451"/>
-                    </a:ext>
-                  </a:extLst>
-                </a:gridCol>
-                <a:gridCol w="2410691">
-                  <a:extLst>
-                    <a:ext uri="{9D8B030D-6E8A-4147-A177-3AD203B41FA5}">
-                      <a16:colId xmlns:a16="http://schemas.microsoft.com/office/drawing/2014/main" val="1801982039"/>
-                    </a:ext>
-                  </a:extLst>
-                </a:gridCol>
-                <a:gridCol w="2008909">
-                  <a:extLst>
-                    <a:ext uri="{9D8B030D-6E8A-4147-A177-3AD203B41FA5}">
-                      <a16:colId xmlns:a16="http://schemas.microsoft.com/office/drawing/2014/main" val="729867778"/>
-                    </a:ext>
-                  </a:extLst>
-                </a:gridCol>
-                <a:gridCol w="2438400">
-                  <a:extLst>
-                    <a:ext uri="{9D8B030D-6E8A-4147-A177-3AD203B41FA5}">
-                      <a16:colId xmlns:a16="http://schemas.microsoft.com/office/drawing/2014/main" val="2695522080"/>
-                    </a:ext>
-                  </a:extLst>
-                </a:gridCol>
-              </a:tblGrid>
-              <a:tr h="761583">
-                <a:tc>
-                  <a:txBody>
-                    <a:bodyPr/>
-                    <a:lstStyle/>
-                    <a:p>
-                      <a:pPr algn="ctr"/>
-                      <a:endParaRPr lang="en-US" dirty="0" smtClean="0">
-                        <a:latin typeface="Times New Roman" panose="02020603050405020304" pitchFamily="18" charset="0"/>
-                        <a:cs typeface="Times New Roman" panose="02020603050405020304" pitchFamily="18" charset="0"/>
-                      </a:endParaRPr>
-                    </a:p>
-                    <a:p>
-                      <a:pPr algn="ctr"/>
-                      <a:r>
-                        <a:rPr lang="en-US" dirty="0" smtClean="0">
-                          <a:latin typeface="Times New Roman" panose="02020603050405020304" pitchFamily="18" charset="0"/>
-                          <a:cs typeface="Times New Roman" panose="02020603050405020304" pitchFamily="18" charset="0"/>
-                        </a:rPr>
-                        <a:t>Paper </a:t>
-                      </a:r>
-                      <a:endParaRPr lang="en-US" dirty="0">
-                        <a:latin typeface="Times New Roman" panose="02020603050405020304" pitchFamily="18" charset="0"/>
-                        <a:cs typeface="Times New Roman" panose="02020603050405020304" pitchFamily="18" charset="0"/>
-                      </a:endParaRPr>
-                    </a:p>
-                  </a:txBody>
-                  <a:tcPr/>
-                </a:tc>
-                <a:tc>
-                  <a:txBody>
-                    <a:bodyPr/>
-                    <a:lstStyle/>
-                    <a:p>
-                      <a:endParaRPr lang="en-US" dirty="0" smtClean="0">
-                        <a:latin typeface="Times New Roman" panose="02020603050405020304" pitchFamily="18" charset="0"/>
-                        <a:cs typeface="Times New Roman" panose="02020603050405020304" pitchFamily="18" charset="0"/>
-                      </a:endParaRPr>
-                    </a:p>
-                    <a:p>
-                      <a:pPr algn="ctr"/>
-                      <a:r>
-                        <a:rPr lang="en-US" dirty="0" smtClean="0">
-                          <a:latin typeface="Times New Roman" panose="02020603050405020304" pitchFamily="18" charset="0"/>
-                          <a:cs typeface="Times New Roman" panose="02020603050405020304" pitchFamily="18" charset="0"/>
-                        </a:rPr>
-                        <a:t>Dataset</a:t>
-                      </a:r>
-                      <a:endParaRPr lang="en-US" dirty="0">
-                        <a:latin typeface="Times New Roman" panose="02020603050405020304" pitchFamily="18" charset="0"/>
-                        <a:cs typeface="Times New Roman" panose="02020603050405020304" pitchFamily="18" charset="0"/>
-                      </a:endParaRPr>
-                    </a:p>
-                  </a:txBody>
-                  <a:tcPr/>
-                </a:tc>
-                <a:tc>
-                  <a:txBody>
-                    <a:bodyPr/>
-                    <a:lstStyle/>
-                    <a:p>
-                      <a:pPr algn="ctr"/>
-                      <a:endParaRPr lang="en-US" dirty="0" smtClean="0">
-                        <a:latin typeface="Times New Roman" panose="02020603050405020304" pitchFamily="18" charset="0"/>
-                        <a:cs typeface="Times New Roman" panose="02020603050405020304" pitchFamily="18" charset="0"/>
-                      </a:endParaRPr>
-                    </a:p>
-                    <a:p>
-                      <a:pPr algn="ctr"/>
-                      <a:r>
-                        <a:rPr lang="en-US" dirty="0" smtClean="0">
-                          <a:latin typeface="Times New Roman" panose="02020603050405020304" pitchFamily="18" charset="0"/>
-                          <a:cs typeface="Times New Roman" panose="02020603050405020304" pitchFamily="18" charset="0"/>
-                        </a:rPr>
-                        <a:t>Features</a:t>
-                      </a:r>
-                      <a:endParaRPr lang="en-US" dirty="0">
-                        <a:latin typeface="Times New Roman" panose="02020603050405020304" pitchFamily="18" charset="0"/>
-                        <a:cs typeface="Times New Roman" panose="02020603050405020304" pitchFamily="18" charset="0"/>
-                      </a:endParaRPr>
-                    </a:p>
-                  </a:txBody>
-                  <a:tcPr/>
-                </a:tc>
-                <a:tc>
-                  <a:txBody>
-                    <a:bodyPr/>
-                    <a:lstStyle/>
-                    <a:p>
-                      <a:endParaRPr lang="en-US" dirty="0" smtClean="0">
-                        <a:latin typeface="Times New Roman" panose="02020603050405020304" pitchFamily="18" charset="0"/>
-                        <a:cs typeface="Times New Roman" panose="02020603050405020304" pitchFamily="18" charset="0"/>
-                      </a:endParaRPr>
-                    </a:p>
-                    <a:p>
-                      <a:pPr algn="ctr"/>
-                      <a:r>
-                        <a:rPr lang="en-US" dirty="0" smtClean="0">
-                          <a:latin typeface="Times New Roman" panose="02020603050405020304" pitchFamily="18" charset="0"/>
-                          <a:cs typeface="Times New Roman" panose="02020603050405020304" pitchFamily="18" charset="0"/>
-                        </a:rPr>
-                        <a:t>Model</a:t>
-                      </a:r>
-                      <a:endParaRPr lang="en-US" dirty="0">
-                        <a:latin typeface="Times New Roman" panose="02020603050405020304" pitchFamily="18" charset="0"/>
-                        <a:cs typeface="Times New Roman" panose="02020603050405020304" pitchFamily="18" charset="0"/>
-                      </a:endParaRPr>
-                    </a:p>
-                  </a:txBody>
-                  <a:tcPr/>
-                </a:tc>
-                <a:tc>
-                  <a:txBody>
-                    <a:bodyPr/>
-                    <a:lstStyle/>
-                    <a:p>
-                      <a:endParaRPr lang="en-US" dirty="0" smtClean="0">
-                        <a:latin typeface="Times New Roman" panose="02020603050405020304" pitchFamily="18" charset="0"/>
-                        <a:cs typeface="Times New Roman" panose="02020603050405020304" pitchFamily="18" charset="0"/>
-                      </a:endParaRPr>
-                    </a:p>
-                    <a:p>
-                      <a:pPr algn="ctr"/>
-                      <a:r>
-                        <a:rPr lang="en-US" dirty="0" smtClean="0">
-                          <a:latin typeface="Times New Roman" panose="02020603050405020304" pitchFamily="18" charset="0"/>
-                          <a:cs typeface="Times New Roman" panose="02020603050405020304" pitchFamily="18" charset="0"/>
-                        </a:rPr>
-                        <a:t>Results</a:t>
-                      </a:r>
-                      <a:endParaRPr lang="en-US" dirty="0">
-                        <a:latin typeface="Times New Roman" panose="02020603050405020304" pitchFamily="18" charset="0"/>
-                        <a:cs typeface="Times New Roman" panose="02020603050405020304" pitchFamily="18" charset="0"/>
-                      </a:endParaRPr>
-                    </a:p>
-                  </a:txBody>
-                  <a:tcPr/>
-                </a:tc>
-                <a:extLst>
-                  <a:ext uri="{0D108BD9-81ED-4DB2-BD59-A6C34878D82A}">
-                    <a16:rowId xmlns:a16="http://schemas.microsoft.com/office/drawing/2014/main" val="2152107169"/>
-                  </a:ext>
-                </a:extLst>
-              </a:tr>
-              <a:tr h="1673759">
-                <a:tc>
-                  <a:txBody>
-                    <a:bodyPr/>
-                    <a:lstStyle/>
-                    <a:p>
-                      <a:pPr algn="ctr"/>
-                      <a:r>
-                        <a:rPr lang="en-US" sz="1800" b="0" i="0" kern="1200" dirty="0" smtClean="0">
-                          <a:solidFill>
-                            <a:schemeClr val="dk1"/>
-                          </a:solidFill>
-                          <a:effectLst/>
-                          <a:latin typeface="Times New Roman" panose="02020603050405020304" pitchFamily="18" charset="0"/>
-                          <a:ea typeface="+mn-ea"/>
-                          <a:cs typeface="Times New Roman" panose="02020603050405020304" pitchFamily="18" charset="0"/>
-                        </a:rPr>
-                        <a:t>Predicting intensive care unit readmission with machine learning using electronic health record data." </a:t>
-                      </a:r>
-                      <a:r>
-                        <a:rPr lang="en-US" sz="1800" b="1" i="1" kern="1200" dirty="0" smtClean="0">
-                          <a:solidFill>
-                            <a:schemeClr val="dk1"/>
-                          </a:solidFill>
-                          <a:effectLst/>
-                          <a:latin typeface="Times New Roman" panose="02020603050405020304" pitchFamily="18" charset="0"/>
-                          <a:ea typeface="+mn-ea"/>
-                          <a:cs typeface="Times New Roman" panose="02020603050405020304" pitchFamily="18" charset="0"/>
-                        </a:rPr>
-                        <a:t>Annals of the American Thoracic Society</a:t>
-                      </a:r>
-                      <a:r>
-                        <a:rPr lang="en-US" sz="1800" b="0" i="0" kern="1200" dirty="0" smtClean="0">
-                          <a:solidFill>
-                            <a:schemeClr val="dk1"/>
-                          </a:solidFill>
-                          <a:effectLst/>
-                          <a:latin typeface="Times New Roman" panose="02020603050405020304" pitchFamily="18" charset="0"/>
-                          <a:ea typeface="+mn-ea"/>
-                          <a:cs typeface="Times New Roman" panose="02020603050405020304" pitchFamily="18" charset="0"/>
-                        </a:rPr>
-                        <a:t> 15, no. 7 </a:t>
-                      </a:r>
-                      <a:r>
-                        <a:rPr lang="en-US" sz="1800" b="1" i="0" kern="1200" dirty="0" smtClean="0">
-                          <a:solidFill>
-                            <a:schemeClr val="dk1"/>
-                          </a:solidFill>
-                          <a:effectLst/>
-                          <a:latin typeface="Times New Roman" panose="02020603050405020304" pitchFamily="18" charset="0"/>
-                          <a:ea typeface="+mn-ea"/>
-                          <a:cs typeface="Times New Roman" panose="02020603050405020304" pitchFamily="18" charset="0"/>
-                        </a:rPr>
-                        <a:t>(2018)</a:t>
-                      </a:r>
-                      <a:endParaRPr lang="en-US" sz="1800" b="1" dirty="0">
-                        <a:latin typeface="Times New Roman" panose="02020603050405020304" pitchFamily="18" charset="0"/>
-                        <a:cs typeface="Times New Roman" panose="02020603050405020304" pitchFamily="18" charset="0"/>
-                      </a:endParaRPr>
-                    </a:p>
-                  </a:txBody>
-                  <a:tcPr/>
-                </a:tc>
-                <a:tc>
-                  <a:txBody>
-                    <a:bodyPr/>
-                    <a:lstStyle/>
-                    <a:p>
-                      <a:pPr algn="ctr"/>
-                      <a:endParaRPr lang="en-US" dirty="0" smtClean="0">
-                        <a:latin typeface="Times New Roman" panose="02020603050405020304" pitchFamily="18" charset="0"/>
-                        <a:cs typeface="Times New Roman" panose="02020603050405020304" pitchFamily="18" charset="0"/>
-                      </a:endParaRPr>
-                    </a:p>
-                    <a:p>
-                      <a:pPr algn="ctr"/>
-                      <a:endParaRPr lang="en-US" dirty="0" smtClean="0">
-                        <a:latin typeface="Times New Roman" panose="02020603050405020304" pitchFamily="18" charset="0"/>
-                        <a:cs typeface="Times New Roman" panose="02020603050405020304" pitchFamily="18" charset="0"/>
-                      </a:endParaRPr>
-                    </a:p>
-                    <a:p>
-                      <a:pPr algn="ctr"/>
-                      <a:r>
-                        <a:rPr lang="en-US" sz="1800" b="1" dirty="0" smtClean="0">
-                          <a:latin typeface="Times New Roman" panose="02020603050405020304" pitchFamily="18" charset="0"/>
-                          <a:cs typeface="Times New Roman" panose="02020603050405020304" pitchFamily="18" charset="0"/>
-                        </a:rPr>
-                        <a:t>MIMIC-III</a:t>
-                      </a:r>
-                      <a:endParaRPr lang="en-US" sz="1800" b="1" dirty="0">
-                        <a:latin typeface="Times New Roman" panose="02020603050405020304" pitchFamily="18" charset="0"/>
-                        <a:cs typeface="Times New Roman" panose="02020603050405020304" pitchFamily="18" charset="0"/>
-                      </a:endParaRPr>
-                    </a:p>
-                  </a:txBody>
-                  <a:tcPr/>
-                </a:tc>
-                <a:tc>
-                  <a:txBody>
-                    <a:bodyPr/>
-                    <a:lstStyle/>
-                    <a:p>
-                      <a:pPr algn="ctr"/>
-                      <a:endParaRPr lang="en-US" dirty="0" smtClean="0">
-                        <a:latin typeface="Times New Roman" panose="02020603050405020304" pitchFamily="18" charset="0"/>
-                        <a:cs typeface="Times New Roman" panose="02020603050405020304" pitchFamily="18" charset="0"/>
-                      </a:endParaRPr>
-                    </a:p>
-                    <a:p>
-                      <a:pPr algn="ctr"/>
-                      <a:r>
-                        <a:rPr lang="en-US" dirty="0" smtClean="0">
-                          <a:latin typeface="Times New Roman" panose="02020603050405020304" pitchFamily="18" charset="0"/>
-                          <a:cs typeface="Times New Roman" panose="02020603050405020304" pitchFamily="18" charset="0"/>
-                        </a:rPr>
-                        <a:t>Demographics,</a:t>
-                      </a:r>
-                    </a:p>
-                    <a:p>
-                      <a:pPr algn="ctr"/>
-                      <a:r>
-                        <a:rPr lang="en-US" dirty="0" smtClean="0">
-                          <a:latin typeface="Times New Roman" panose="02020603050405020304" pitchFamily="18" charset="0"/>
-                          <a:cs typeface="Times New Roman" panose="02020603050405020304" pitchFamily="18" charset="0"/>
-                        </a:rPr>
-                        <a:t>Chart Events</a:t>
-                      </a:r>
-                    </a:p>
-                    <a:p>
-                      <a:pPr algn="ctr"/>
-                      <a:r>
-                        <a:rPr lang="en-US" dirty="0" smtClean="0">
-                          <a:latin typeface="Times New Roman" panose="02020603050405020304" pitchFamily="18" charset="0"/>
-                          <a:cs typeface="Times New Roman" panose="02020603050405020304" pitchFamily="18" charset="0"/>
-                        </a:rPr>
-                        <a:t>Medications</a:t>
-                      </a:r>
-                    </a:p>
-                    <a:p>
-                      <a:pPr algn="ctr"/>
-                      <a:endParaRPr lang="en-US" dirty="0">
-                        <a:latin typeface="Times New Roman" panose="02020603050405020304" pitchFamily="18" charset="0"/>
-                        <a:cs typeface="Times New Roman" panose="02020603050405020304" pitchFamily="18" charset="0"/>
-                      </a:endParaRPr>
-                    </a:p>
-                  </a:txBody>
-                  <a:tcPr/>
-                </a:tc>
-                <a:tc>
-                  <a:txBody>
-                    <a:bodyPr/>
-                    <a:lstStyle/>
-                    <a:p>
-                      <a:endParaRPr lang="en-US" sz="1800" b="0" i="0" kern="1200" dirty="0" smtClean="0">
-                        <a:solidFill>
-                          <a:schemeClr val="dk1"/>
-                        </a:solidFill>
-                        <a:effectLst/>
-                        <a:latin typeface="Times New Roman" panose="02020603050405020304" pitchFamily="18" charset="0"/>
-                        <a:ea typeface="+mn-ea"/>
-                        <a:cs typeface="Times New Roman" panose="02020603050405020304" pitchFamily="18" charset="0"/>
-                      </a:endParaRPr>
-                    </a:p>
-                    <a:p>
-                      <a:endParaRPr lang="en-US" sz="1800" b="0" i="0" kern="1200" dirty="0" smtClean="0">
-                        <a:solidFill>
-                          <a:schemeClr val="dk1"/>
-                        </a:solidFill>
-                        <a:effectLst/>
-                        <a:latin typeface="Times New Roman" panose="02020603050405020304" pitchFamily="18" charset="0"/>
-                        <a:ea typeface="+mn-ea"/>
-                        <a:cs typeface="Times New Roman" panose="02020603050405020304" pitchFamily="18" charset="0"/>
-                      </a:endParaRPr>
-                    </a:p>
-                    <a:p>
-                      <a:pPr algn="ctr"/>
-                      <a:r>
-                        <a:rPr lang="en-US" sz="1800" b="0" i="0" kern="1200" dirty="0" smtClean="0">
-                          <a:solidFill>
-                            <a:schemeClr val="dk1"/>
-                          </a:solidFill>
-                          <a:effectLst/>
-                          <a:latin typeface="Times New Roman" panose="02020603050405020304" pitchFamily="18" charset="0"/>
-                          <a:ea typeface="+mn-ea"/>
-                          <a:cs typeface="Times New Roman" panose="02020603050405020304" pitchFamily="18" charset="0"/>
-                        </a:rPr>
-                        <a:t>Gradient-boosted</a:t>
-                      </a:r>
-                      <a:endParaRPr lang="en-US" dirty="0">
-                        <a:latin typeface="Times New Roman" panose="02020603050405020304" pitchFamily="18" charset="0"/>
-                        <a:cs typeface="Times New Roman" panose="02020603050405020304" pitchFamily="18" charset="0"/>
-                      </a:endParaRPr>
-                    </a:p>
-                  </a:txBody>
-                  <a:tcPr/>
-                </a:tc>
-                <a:tc>
-                  <a:txBody>
-                    <a:bodyPr/>
-                    <a:lstStyle/>
-                    <a:p>
-                      <a:endParaRPr lang="en-US" sz="1800" b="0" i="0" kern="1200" dirty="0" smtClean="0">
-                        <a:solidFill>
-                          <a:schemeClr val="dk1"/>
-                        </a:solidFill>
-                        <a:effectLst/>
-                        <a:latin typeface="Times New Roman" panose="02020603050405020304" pitchFamily="18" charset="0"/>
-                        <a:ea typeface="+mn-ea"/>
-                        <a:cs typeface="Times New Roman" panose="02020603050405020304" pitchFamily="18" charset="0"/>
-                      </a:endParaRPr>
-                    </a:p>
-                    <a:p>
-                      <a:r>
-                        <a:rPr lang="en-US" sz="1800" b="0" i="0" kern="1200" dirty="0" smtClean="0">
-                          <a:solidFill>
-                            <a:schemeClr val="dk1"/>
-                          </a:solidFill>
-                          <a:effectLst/>
-                          <a:latin typeface="Times New Roman" panose="02020603050405020304" pitchFamily="18" charset="0"/>
-                          <a:ea typeface="+mn-ea"/>
-                          <a:cs typeface="Times New Roman" panose="02020603050405020304" pitchFamily="18" charset="0"/>
-                        </a:rPr>
-                        <a:t>Area under the receiver operating curve, 0.76</a:t>
-                      </a:r>
-                      <a:endParaRPr lang="en-US" dirty="0">
-                        <a:latin typeface="Times New Roman" panose="02020603050405020304" pitchFamily="18" charset="0"/>
-                        <a:cs typeface="Times New Roman" panose="02020603050405020304" pitchFamily="18" charset="0"/>
-                      </a:endParaRPr>
-                    </a:p>
-                  </a:txBody>
-                  <a:tcPr/>
-                </a:tc>
-                <a:extLst>
-                  <a:ext uri="{0D108BD9-81ED-4DB2-BD59-A6C34878D82A}">
-                    <a16:rowId xmlns:a16="http://schemas.microsoft.com/office/drawing/2014/main" val="1961824199"/>
-                  </a:ext>
-                </a:extLst>
-              </a:tr>
-              <a:tr h="1360699">
-                <a:tc>
-                  <a:txBody>
-                    <a:bodyPr/>
-                    <a:lstStyle/>
-                    <a:p>
-                      <a:pPr algn="ctr"/>
-                      <a:endParaRPr lang="en-US" sz="1800" b="0" i="0" kern="1200" dirty="0" smtClean="0">
-                        <a:solidFill>
-                          <a:schemeClr val="dk1"/>
-                        </a:solidFill>
-                        <a:effectLst/>
-                        <a:latin typeface="Times New Roman" panose="02020603050405020304" pitchFamily="18" charset="0"/>
-                        <a:ea typeface="+mn-ea"/>
-                        <a:cs typeface="Times New Roman" panose="02020603050405020304" pitchFamily="18" charset="0"/>
-                      </a:endParaRPr>
-                    </a:p>
-                    <a:p>
-                      <a:pPr algn="ctr"/>
-                      <a:r>
-                        <a:rPr lang="en-US" sz="1800" b="0" i="0" kern="1200" dirty="0" smtClean="0">
-                          <a:solidFill>
-                            <a:schemeClr val="dk1"/>
-                          </a:solidFill>
-                          <a:effectLst/>
-                          <a:latin typeface="Times New Roman" panose="02020603050405020304" pitchFamily="18" charset="0"/>
-                          <a:ea typeface="+mn-ea"/>
-                          <a:cs typeface="Times New Roman" panose="02020603050405020304" pitchFamily="18" charset="0"/>
-                        </a:rPr>
-                        <a:t>Benchmark </a:t>
-                      </a:r>
-                      <a:r>
-                        <a:rPr lang="en-US" sz="1800" b="0" i="0" kern="1200" dirty="0" smtClean="0">
-                          <a:solidFill>
-                            <a:schemeClr val="dk1"/>
-                          </a:solidFill>
-                          <a:effectLst/>
-                          <a:latin typeface="Times New Roman" panose="02020603050405020304" pitchFamily="18" charset="0"/>
-                          <a:ea typeface="+mn-ea"/>
-                          <a:cs typeface="Times New Roman" panose="02020603050405020304" pitchFamily="18" charset="0"/>
-                        </a:rPr>
-                        <a:t>of deep learning models on large healthcare mimic datasets </a:t>
-                      </a:r>
-                      <a:r>
-                        <a:rPr lang="en-US" sz="1800" b="1" i="0" kern="1200" dirty="0" smtClean="0">
-                          <a:solidFill>
-                            <a:schemeClr val="dk1"/>
-                          </a:solidFill>
-                          <a:effectLst/>
-                          <a:latin typeface="Times New Roman" panose="02020603050405020304" pitchFamily="18" charset="0"/>
-                          <a:ea typeface="+mn-ea"/>
-                          <a:cs typeface="Times New Roman" panose="02020603050405020304" pitchFamily="18" charset="0"/>
-                        </a:rPr>
-                        <a:t>(2017)</a:t>
-                      </a:r>
-                    </a:p>
-                  </a:txBody>
-                  <a:tcPr/>
-                </a:tc>
-                <a:tc>
-                  <a:txBody>
-                    <a:bodyPr/>
-                    <a:lstStyle/>
-                    <a:p>
-                      <a:endParaRPr lang="en-US" dirty="0" smtClean="0">
-                        <a:latin typeface="Times New Roman" panose="02020603050405020304" pitchFamily="18" charset="0"/>
-                        <a:cs typeface="Times New Roman" panose="02020603050405020304" pitchFamily="18" charset="0"/>
-                      </a:endParaRPr>
-                    </a:p>
-                    <a:p>
-                      <a:endParaRPr lang="en-US" dirty="0" smtClean="0">
-                        <a:latin typeface="Times New Roman" panose="02020603050405020304" pitchFamily="18" charset="0"/>
-                        <a:cs typeface="Times New Roman" panose="02020603050405020304" pitchFamily="18" charset="0"/>
-                      </a:endParaRPr>
-                    </a:p>
-                    <a:p>
-                      <a:pPr marL="0" marR="0" lvl="0" indent="0" algn="ctr" defTabSz="914400" rtl="0" eaLnBrk="1" fontAlgn="auto" latinLnBrk="0" hangingPunct="1">
-                        <a:lnSpc>
-                          <a:spcPct val="100000"/>
-                        </a:lnSpc>
-                        <a:spcBef>
-                          <a:spcPts val="0"/>
-                        </a:spcBef>
-                        <a:spcAft>
-                          <a:spcPts val="0"/>
-                        </a:spcAft>
-                        <a:buClrTx/>
-                        <a:buSzTx/>
-                        <a:buFontTx/>
-                        <a:buNone/>
-                        <a:tabLst/>
-                        <a:defRPr/>
-                      </a:pPr>
-                      <a:r>
-                        <a:rPr lang="en-US" sz="1800" b="1" dirty="0" smtClean="0">
-                          <a:latin typeface="Times New Roman" panose="02020603050405020304" pitchFamily="18" charset="0"/>
-                          <a:cs typeface="Times New Roman" panose="02020603050405020304" pitchFamily="18" charset="0"/>
-                        </a:rPr>
-                        <a:t>MIMIC-III</a:t>
-                      </a:r>
-                    </a:p>
-                    <a:p>
-                      <a:pPr algn="ctr"/>
-                      <a:endParaRPr lang="en-US" dirty="0">
-                        <a:latin typeface="Times New Roman" panose="02020603050405020304" pitchFamily="18" charset="0"/>
-                        <a:cs typeface="Times New Roman" panose="02020603050405020304" pitchFamily="18" charset="0"/>
-                      </a:endParaRPr>
-                    </a:p>
-                  </a:txBody>
-                  <a:tcPr/>
-                </a:tc>
-                <a:tc>
-                  <a:txBody>
-                    <a:bodyPr/>
-                    <a:lstStyle/>
-                    <a:p>
-                      <a:endParaRPr lang="en-US" dirty="0" smtClean="0">
-                        <a:latin typeface="Times New Roman" panose="02020603050405020304" pitchFamily="18" charset="0"/>
-                        <a:cs typeface="Times New Roman" panose="02020603050405020304" pitchFamily="18" charset="0"/>
-                      </a:endParaRPr>
-                    </a:p>
-                    <a:p>
-                      <a:pPr algn="ctr"/>
-                      <a:r>
-                        <a:rPr lang="en-US" dirty="0" smtClean="0">
-                          <a:latin typeface="Times New Roman" panose="02020603050405020304" pitchFamily="18" charset="0"/>
-                          <a:cs typeface="Times New Roman" panose="02020603050405020304" pitchFamily="18" charset="0"/>
-                        </a:rPr>
-                        <a:t>Three different set of features different prediction</a:t>
-                      </a:r>
-                      <a:r>
-                        <a:rPr lang="en-US" baseline="0" dirty="0" smtClean="0">
-                          <a:latin typeface="Times New Roman" panose="02020603050405020304" pitchFamily="18" charset="0"/>
-                          <a:cs typeface="Times New Roman" panose="02020603050405020304" pitchFamily="18" charset="0"/>
-                        </a:rPr>
-                        <a:t> tasks</a:t>
-                      </a:r>
-                      <a:endParaRPr lang="en-US" dirty="0">
-                        <a:latin typeface="Times New Roman" panose="02020603050405020304" pitchFamily="18" charset="0"/>
-                        <a:cs typeface="Times New Roman" panose="02020603050405020304" pitchFamily="18" charset="0"/>
-                      </a:endParaRPr>
-                    </a:p>
-                  </a:txBody>
-                  <a:tcPr/>
-                </a:tc>
-                <a:tc>
-                  <a:txBody>
-                    <a:bodyPr/>
-                    <a:lstStyle/>
-                    <a:p>
-                      <a:pPr algn="ctr"/>
-                      <a:endParaRPr lang="en-US" dirty="0" smtClean="0">
-                        <a:latin typeface="Times New Roman" panose="02020603050405020304" pitchFamily="18" charset="0"/>
-                        <a:cs typeface="Times New Roman" panose="02020603050405020304" pitchFamily="18" charset="0"/>
-                      </a:endParaRPr>
-                    </a:p>
-                    <a:p>
-                      <a:pPr algn="ctr"/>
-                      <a:r>
-                        <a:rPr lang="en-US" b="1" dirty="0" smtClean="0">
-                          <a:latin typeface="Times New Roman" panose="02020603050405020304" pitchFamily="18" charset="0"/>
-                          <a:cs typeface="Times New Roman" panose="02020603050405020304" pitchFamily="18" charset="0"/>
-                        </a:rPr>
-                        <a:t>FFN</a:t>
-                      </a:r>
-                    </a:p>
-                    <a:p>
-                      <a:pPr algn="ctr"/>
-                      <a:r>
-                        <a:rPr lang="en-US" b="1" dirty="0" smtClean="0">
-                          <a:latin typeface="Times New Roman" panose="02020603050405020304" pitchFamily="18" charset="0"/>
-                          <a:cs typeface="Times New Roman" panose="02020603050405020304" pitchFamily="18" charset="0"/>
-                        </a:rPr>
-                        <a:t>RNN</a:t>
-                      </a:r>
-                    </a:p>
-                    <a:p>
-                      <a:pPr algn="ctr"/>
-                      <a:r>
-                        <a:rPr lang="en-US" b="1" dirty="0" smtClean="0">
-                          <a:latin typeface="Times New Roman" panose="02020603050405020304" pitchFamily="18" charset="0"/>
-                          <a:cs typeface="Times New Roman" panose="02020603050405020304" pitchFamily="18" charset="0"/>
-                        </a:rPr>
-                        <a:t>MMDL : FFN + RNN</a:t>
-                      </a:r>
-                      <a:endParaRPr lang="en-US" b="1" dirty="0">
-                        <a:latin typeface="Times New Roman" panose="02020603050405020304" pitchFamily="18" charset="0"/>
-                        <a:cs typeface="Times New Roman" panose="02020603050405020304" pitchFamily="18" charset="0"/>
-                      </a:endParaRPr>
-                    </a:p>
-                  </a:txBody>
-                  <a:tcPr/>
-                </a:tc>
-                <a:tc>
-                  <a:txBody>
-                    <a:bodyPr/>
-                    <a:lstStyle/>
-                    <a:p>
-                      <a:endParaRPr lang="en-US" dirty="0" smtClean="0">
-                        <a:latin typeface="Times New Roman" panose="02020603050405020304" pitchFamily="18" charset="0"/>
-                        <a:cs typeface="Times New Roman" panose="02020603050405020304" pitchFamily="18" charset="0"/>
-                      </a:endParaRPr>
-                    </a:p>
-                    <a:p>
-                      <a:pPr algn="ctr"/>
-                      <a:r>
-                        <a:rPr lang="en-US" b="1" dirty="0" smtClean="0">
-                          <a:latin typeface="Times New Roman" panose="02020603050405020304" pitchFamily="18" charset="0"/>
-                          <a:cs typeface="Times New Roman" panose="02020603050405020304" pitchFamily="18" charset="0"/>
-                        </a:rPr>
-                        <a:t>AUROC</a:t>
-                      </a:r>
-                      <a:r>
-                        <a:rPr lang="en-US" b="1" baseline="0" dirty="0" smtClean="0">
-                          <a:latin typeface="Times New Roman" panose="02020603050405020304" pitchFamily="18" charset="0"/>
-                          <a:cs typeface="Times New Roman" panose="02020603050405020304" pitchFamily="18" charset="0"/>
-                        </a:rPr>
-                        <a:t> : 85 </a:t>
-                      </a:r>
-                      <a:endParaRPr lang="en-US" b="1" dirty="0">
-                        <a:latin typeface="Times New Roman" panose="02020603050405020304" pitchFamily="18" charset="0"/>
-                        <a:cs typeface="Times New Roman" panose="02020603050405020304" pitchFamily="18" charset="0"/>
-                      </a:endParaRPr>
-                    </a:p>
-                  </a:txBody>
-                  <a:tcPr/>
-                </a:tc>
-                <a:extLst>
-                  <a:ext uri="{0D108BD9-81ED-4DB2-BD59-A6C34878D82A}">
-                    <a16:rowId xmlns:a16="http://schemas.microsoft.com/office/drawing/2014/main" val="1670938790"/>
-                  </a:ext>
-                </a:extLst>
-              </a:tr>
-              <a:tr h="1701261">
-                <a:tc>
-                  <a:txBody>
-                    <a:bodyPr/>
-                    <a:lstStyle/>
-                    <a:p>
-                      <a:pPr algn="ctr"/>
-                      <a:r>
-                        <a:rPr lang="en-US" sz="1800" b="0" i="0" kern="1200" dirty="0" smtClean="0">
-                          <a:solidFill>
-                            <a:schemeClr val="dk1"/>
-                          </a:solidFill>
-                          <a:effectLst/>
-                          <a:latin typeface="+mn-lt"/>
-                          <a:ea typeface="+mn-ea"/>
-                          <a:cs typeface="+mn-cs"/>
-                        </a:rPr>
-                        <a:t>Machine learning for real-time prediction of complications in critical care: a retrospective study." </a:t>
-                      </a:r>
-                      <a:r>
-                        <a:rPr lang="en-US" sz="1800" b="1" i="1" kern="1200" dirty="0" smtClean="0">
-                          <a:solidFill>
-                            <a:schemeClr val="dk1"/>
-                          </a:solidFill>
-                          <a:effectLst/>
-                          <a:latin typeface="+mn-lt"/>
-                          <a:ea typeface="+mn-ea"/>
-                          <a:cs typeface="+mn-cs"/>
-                        </a:rPr>
-                        <a:t>The Lancet Respiratory Medicine</a:t>
-                      </a:r>
-                      <a:r>
-                        <a:rPr lang="en-US" sz="1800" b="1" i="0" kern="1200" dirty="0" smtClean="0">
-                          <a:solidFill>
-                            <a:schemeClr val="dk1"/>
-                          </a:solidFill>
-                          <a:effectLst/>
-                          <a:latin typeface="+mn-lt"/>
-                          <a:ea typeface="+mn-ea"/>
-                          <a:cs typeface="+mn-cs"/>
-                        </a:rPr>
-                        <a:t> 6, no. 12 (2018)</a:t>
-                      </a:r>
-                      <a:endParaRPr lang="en-US" b="1" dirty="0">
-                        <a:latin typeface="Times New Roman" panose="02020603050405020304" pitchFamily="18" charset="0"/>
-                        <a:cs typeface="Times New Roman" panose="02020603050405020304" pitchFamily="18" charset="0"/>
-                      </a:endParaRPr>
-                    </a:p>
-                  </a:txBody>
-                  <a:tcPr/>
-                </a:tc>
-                <a:tc>
-                  <a:txBody>
-                    <a:bodyPr/>
-                    <a:lstStyle/>
-                    <a:p>
-                      <a:endParaRPr lang="en-US" sz="1800" b="0" i="0" kern="1200" dirty="0" smtClean="0">
-                        <a:solidFill>
-                          <a:schemeClr val="dk1"/>
-                        </a:solidFill>
-                        <a:effectLst/>
-                        <a:latin typeface="+mn-lt"/>
-                        <a:ea typeface="+mn-ea"/>
-                        <a:cs typeface="+mn-cs"/>
-                      </a:endParaRPr>
-                    </a:p>
-                    <a:p>
-                      <a:endParaRPr lang="en-US" sz="1800" b="0" i="0" kern="1200" dirty="0" smtClean="0">
-                        <a:solidFill>
-                          <a:schemeClr val="dk1"/>
-                        </a:solidFill>
-                        <a:effectLst/>
-                        <a:latin typeface="+mn-lt"/>
-                        <a:ea typeface="+mn-ea"/>
-                        <a:cs typeface="+mn-cs"/>
-                      </a:endParaRPr>
-                    </a:p>
-                    <a:p>
-                      <a:endParaRPr lang="en-US" sz="1800" b="0" i="0" kern="1200" dirty="0" smtClean="0">
-                        <a:solidFill>
-                          <a:schemeClr val="dk1"/>
-                        </a:solidFill>
-                        <a:effectLst/>
-                        <a:latin typeface="+mn-lt"/>
-                        <a:ea typeface="+mn-ea"/>
-                        <a:cs typeface="+mn-cs"/>
-                      </a:endParaRPr>
-                    </a:p>
-                    <a:p>
-                      <a:pPr marL="0" marR="0" lvl="0" indent="0" algn="ctr" defTabSz="914400" rtl="0" eaLnBrk="1" fontAlgn="auto" latinLnBrk="0" hangingPunct="1">
-                        <a:lnSpc>
-                          <a:spcPct val="100000"/>
-                        </a:lnSpc>
-                        <a:spcBef>
-                          <a:spcPts val="0"/>
-                        </a:spcBef>
-                        <a:spcAft>
-                          <a:spcPts val="0"/>
-                        </a:spcAft>
-                        <a:buClrTx/>
-                        <a:buSzTx/>
-                        <a:buFontTx/>
-                        <a:buNone/>
-                        <a:tabLst/>
-                        <a:defRPr/>
-                      </a:pPr>
-                      <a:r>
-                        <a:rPr lang="en-US" sz="1800" b="1" dirty="0" smtClean="0">
-                          <a:latin typeface="Times New Roman" panose="02020603050405020304" pitchFamily="18" charset="0"/>
-                          <a:cs typeface="Times New Roman" panose="02020603050405020304" pitchFamily="18" charset="0"/>
-                        </a:rPr>
-                        <a:t>MIMIC-III</a:t>
-                      </a:r>
-                    </a:p>
-                  </a:txBody>
-                  <a:tcPr/>
-                </a:tc>
-                <a:tc>
-                  <a:txBody>
-                    <a:bodyPr/>
-                    <a:lstStyle/>
-                    <a:p>
-                      <a:pPr algn="ctr"/>
-                      <a:endParaRPr lang="en-US" dirty="0" smtClean="0">
-                        <a:latin typeface="Times New Roman" panose="02020603050405020304" pitchFamily="18" charset="0"/>
-                        <a:cs typeface="Times New Roman" panose="02020603050405020304" pitchFamily="18" charset="0"/>
-                      </a:endParaRPr>
-                    </a:p>
-                    <a:p>
-                      <a:pPr algn="ctr"/>
-                      <a:r>
-                        <a:rPr lang="en-US" dirty="0" smtClean="0">
-                          <a:latin typeface="Times New Roman" panose="02020603050405020304" pitchFamily="18" charset="0"/>
-                          <a:cs typeface="Times New Roman" panose="02020603050405020304" pitchFamily="18" charset="0"/>
-                        </a:rPr>
-                        <a:t>Demographics,</a:t>
-                      </a:r>
-                    </a:p>
-                    <a:p>
-                      <a:pPr algn="ctr"/>
-                      <a:r>
-                        <a:rPr lang="en-US" dirty="0" smtClean="0">
-                          <a:latin typeface="Times New Roman" panose="02020603050405020304" pitchFamily="18" charset="0"/>
-                          <a:cs typeface="Times New Roman" panose="02020603050405020304" pitchFamily="18" charset="0"/>
-                        </a:rPr>
-                        <a:t>Chart Events</a:t>
-                      </a:r>
-                    </a:p>
-                    <a:p>
-                      <a:pPr algn="ctr"/>
-                      <a:r>
-                        <a:rPr lang="en-US" dirty="0" smtClean="0">
-                          <a:latin typeface="Times New Roman" panose="02020603050405020304" pitchFamily="18" charset="0"/>
-                          <a:cs typeface="Times New Roman" panose="02020603050405020304" pitchFamily="18" charset="0"/>
-                        </a:rPr>
-                        <a:t>Medications</a:t>
-                      </a:r>
-                    </a:p>
-                    <a:p>
-                      <a:endParaRPr lang="en-US" dirty="0">
-                        <a:latin typeface="Times New Roman" panose="02020603050405020304" pitchFamily="18" charset="0"/>
-                        <a:cs typeface="Times New Roman" panose="02020603050405020304" pitchFamily="18" charset="0"/>
-                      </a:endParaRPr>
-                    </a:p>
-                  </a:txBody>
-                  <a:tcPr/>
-                </a:tc>
-                <a:tc>
-                  <a:txBody>
-                    <a:bodyPr/>
-                    <a:lstStyle/>
-                    <a:p>
-                      <a:endParaRPr lang="en-US" dirty="0" smtClean="0">
-                        <a:latin typeface="Times New Roman" panose="02020603050405020304" pitchFamily="18" charset="0"/>
-                        <a:cs typeface="Times New Roman" panose="02020603050405020304" pitchFamily="18" charset="0"/>
-                      </a:endParaRPr>
-                    </a:p>
-                    <a:p>
-                      <a:endParaRPr lang="en-US" dirty="0" smtClean="0">
-                        <a:latin typeface="Times New Roman" panose="02020603050405020304" pitchFamily="18" charset="0"/>
-                        <a:cs typeface="Times New Roman" panose="02020603050405020304" pitchFamily="18" charset="0"/>
-                      </a:endParaRPr>
-                    </a:p>
-                    <a:p>
-                      <a:pPr marL="0" marR="0" lvl="0" indent="0" algn="ctr" defTabSz="914400" rtl="0" eaLnBrk="1" fontAlgn="auto" latinLnBrk="0" hangingPunct="1">
-                        <a:lnSpc>
-                          <a:spcPct val="100000"/>
-                        </a:lnSpc>
-                        <a:spcBef>
-                          <a:spcPts val="0"/>
-                        </a:spcBef>
-                        <a:spcAft>
-                          <a:spcPts val="0"/>
-                        </a:spcAft>
-                        <a:buClrTx/>
-                        <a:buSzTx/>
-                        <a:buFontTx/>
-                        <a:buNone/>
-                        <a:tabLst/>
-                        <a:defRPr/>
-                      </a:pPr>
-                      <a:r>
-                        <a:rPr lang="en-US" b="1" dirty="0" smtClean="0">
-                          <a:latin typeface="Times New Roman" panose="02020603050405020304" pitchFamily="18" charset="0"/>
-                          <a:cs typeface="Times New Roman" panose="02020603050405020304" pitchFamily="18" charset="0"/>
-                        </a:rPr>
-                        <a:t>RNN</a:t>
-                      </a:r>
-                    </a:p>
-                    <a:p>
-                      <a:pPr algn="ctr"/>
-                      <a:endParaRPr lang="en-US" dirty="0">
-                        <a:latin typeface="Times New Roman" panose="02020603050405020304" pitchFamily="18" charset="0"/>
-                        <a:cs typeface="Times New Roman" panose="02020603050405020304" pitchFamily="18" charset="0"/>
-                      </a:endParaRPr>
-                    </a:p>
-                  </a:txBody>
-                  <a:tcPr/>
-                </a:tc>
-                <a:tc>
-                  <a:txBody>
-                    <a:bodyPr/>
-                    <a:lstStyle/>
-                    <a:p>
-                      <a:r>
-                        <a:rPr lang="en-US" sz="1800" b="0" i="0" kern="1200" dirty="0" smtClean="0">
-                          <a:solidFill>
-                            <a:schemeClr val="dk1"/>
-                          </a:solidFill>
-                          <a:effectLst/>
-                          <a:latin typeface="Times New Roman" panose="02020603050405020304" pitchFamily="18" charset="0"/>
-                          <a:ea typeface="+mn-ea"/>
-                          <a:cs typeface="Times New Roman" panose="02020603050405020304" pitchFamily="18" charset="0"/>
-                        </a:rPr>
-                        <a:t>Sensitivity </a:t>
-                      </a:r>
-                      <a:r>
-                        <a:rPr lang="en-US" sz="1800" b="1" i="0" kern="1200" dirty="0" smtClean="0">
-                          <a:solidFill>
-                            <a:schemeClr val="dk1"/>
-                          </a:solidFill>
-                          <a:effectLst/>
-                          <a:latin typeface="Times New Roman" panose="02020603050405020304" pitchFamily="18" charset="0"/>
-                          <a:ea typeface="+mn-ea"/>
-                          <a:cs typeface="Times New Roman" panose="02020603050405020304" pitchFamily="18" charset="0"/>
-                        </a:rPr>
-                        <a:t>0·85</a:t>
-                      </a:r>
-                      <a:r>
-                        <a:rPr lang="en-US" sz="1800" b="0" i="0" kern="1200" dirty="0" smtClean="0">
-                          <a:solidFill>
-                            <a:schemeClr val="dk1"/>
-                          </a:solidFill>
-                          <a:effectLst/>
-                          <a:latin typeface="Times New Roman" panose="02020603050405020304" pitchFamily="18" charset="0"/>
-                          <a:ea typeface="+mn-ea"/>
-                          <a:cs typeface="Times New Roman" panose="02020603050405020304" pitchFamily="18" charset="0"/>
-                        </a:rPr>
-                        <a:t> for mortality, </a:t>
-                      </a:r>
-                      <a:r>
-                        <a:rPr lang="en-US" sz="1800" b="1" i="0" kern="1200" dirty="0" smtClean="0">
-                          <a:solidFill>
-                            <a:schemeClr val="dk1"/>
-                          </a:solidFill>
-                          <a:effectLst/>
-                          <a:latin typeface="Times New Roman" panose="02020603050405020304" pitchFamily="18" charset="0"/>
-                          <a:ea typeface="+mn-ea"/>
-                          <a:cs typeface="Times New Roman" panose="02020603050405020304" pitchFamily="18" charset="0"/>
-                        </a:rPr>
-                        <a:t>0·87</a:t>
-                      </a:r>
-                      <a:r>
-                        <a:rPr lang="en-US" sz="1800" b="0" i="0" kern="1200" dirty="0" smtClean="0">
-                          <a:solidFill>
-                            <a:schemeClr val="dk1"/>
-                          </a:solidFill>
-                          <a:effectLst/>
-                          <a:latin typeface="Times New Roman" panose="02020603050405020304" pitchFamily="18" charset="0"/>
-                          <a:ea typeface="+mn-ea"/>
-                          <a:cs typeface="Times New Roman" panose="02020603050405020304" pitchFamily="18" charset="0"/>
-                        </a:rPr>
-                        <a:t> and </a:t>
-                      </a:r>
-                      <a:r>
-                        <a:rPr lang="en-US" sz="1800" b="1" i="0" kern="1200" dirty="0" smtClean="0">
-                          <a:solidFill>
-                            <a:schemeClr val="dk1"/>
-                          </a:solidFill>
-                          <a:effectLst/>
-                          <a:latin typeface="Times New Roman" panose="02020603050405020304" pitchFamily="18" charset="0"/>
-                          <a:ea typeface="+mn-ea"/>
-                          <a:cs typeface="Times New Roman" panose="02020603050405020304" pitchFamily="18" charset="0"/>
-                        </a:rPr>
-                        <a:t>0·94</a:t>
-                      </a:r>
-                      <a:r>
-                        <a:rPr lang="en-US" sz="1800" b="0" i="0" kern="1200" dirty="0" smtClean="0">
-                          <a:solidFill>
-                            <a:schemeClr val="dk1"/>
-                          </a:solidFill>
-                          <a:effectLst/>
-                          <a:latin typeface="Times New Roman" panose="02020603050405020304" pitchFamily="18" charset="0"/>
-                          <a:ea typeface="+mn-ea"/>
-                          <a:cs typeface="Times New Roman" panose="02020603050405020304" pitchFamily="18" charset="0"/>
-                        </a:rPr>
-                        <a:t> for renal failure, and </a:t>
-                      </a:r>
-                      <a:r>
-                        <a:rPr lang="en-US" sz="1800" b="1" i="0" kern="1200" dirty="0" smtClean="0">
-                          <a:solidFill>
-                            <a:schemeClr val="dk1"/>
-                          </a:solidFill>
-                          <a:effectLst/>
-                          <a:latin typeface="Times New Roman" panose="02020603050405020304" pitchFamily="18" charset="0"/>
-                          <a:ea typeface="+mn-ea"/>
-                          <a:cs typeface="Times New Roman" panose="02020603050405020304" pitchFamily="18" charset="0"/>
-                        </a:rPr>
-                        <a:t>0·84</a:t>
-                      </a:r>
-                      <a:r>
-                        <a:rPr lang="en-US" sz="1800" b="0" i="0" kern="1200" dirty="0" smtClean="0">
-                          <a:solidFill>
-                            <a:schemeClr val="dk1"/>
-                          </a:solidFill>
-                          <a:effectLst/>
-                          <a:latin typeface="Times New Roman" panose="02020603050405020304" pitchFamily="18" charset="0"/>
-                          <a:ea typeface="+mn-ea"/>
-                          <a:cs typeface="Times New Roman" panose="02020603050405020304" pitchFamily="18" charset="0"/>
-                        </a:rPr>
-                        <a:t> and </a:t>
-                      </a:r>
-                      <a:r>
-                        <a:rPr lang="en-US" sz="1800" b="1" i="0" kern="1200" dirty="0" smtClean="0">
-                          <a:solidFill>
-                            <a:schemeClr val="dk1"/>
-                          </a:solidFill>
-                          <a:effectLst/>
-                          <a:latin typeface="Times New Roman" panose="02020603050405020304" pitchFamily="18" charset="0"/>
-                          <a:ea typeface="+mn-ea"/>
-                          <a:cs typeface="Times New Roman" panose="02020603050405020304" pitchFamily="18" charset="0"/>
-                        </a:rPr>
-                        <a:t>0·74</a:t>
-                      </a:r>
-                      <a:r>
-                        <a:rPr lang="en-US" sz="1800" b="0" i="0" kern="1200" dirty="0" smtClean="0">
-                          <a:solidFill>
-                            <a:schemeClr val="dk1"/>
-                          </a:solidFill>
-                          <a:effectLst/>
-                          <a:latin typeface="Times New Roman" panose="02020603050405020304" pitchFamily="18" charset="0"/>
-                          <a:ea typeface="+mn-ea"/>
-                          <a:cs typeface="Times New Roman" panose="02020603050405020304" pitchFamily="18" charset="0"/>
-                        </a:rPr>
-                        <a:t> for bleeding.</a:t>
-                      </a:r>
-                      <a:endParaRPr lang="en-US" dirty="0">
-                        <a:latin typeface="Times New Roman" panose="02020603050405020304" pitchFamily="18" charset="0"/>
-                        <a:cs typeface="Times New Roman" panose="02020603050405020304" pitchFamily="18" charset="0"/>
-                      </a:endParaRPr>
-                    </a:p>
-                  </a:txBody>
-                  <a:tcPr/>
-                </a:tc>
-                <a:extLst>
-                  <a:ext uri="{0D108BD9-81ED-4DB2-BD59-A6C34878D82A}">
-                    <a16:rowId xmlns:a16="http://schemas.microsoft.com/office/drawing/2014/main" val="340084548"/>
-                  </a:ext>
-                </a:extLst>
-              </a:tr>
-              <a:tr h="1360699">
-                <a:tc>
-                  <a:txBody>
-                    <a:bodyPr/>
-                    <a:lstStyle/>
-                    <a:p>
-                      <a:pPr algn="ctr"/>
-                      <a:r>
-                        <a:rPr lang="en-US" sz="1800" b="0" i="0" kern="1200" dirty="0" smtClean="0">
-                          <a:solidFill>
-                            <a:schemeClr val="dk1"/>
-                          </a:solidFill>
-                          <a:effectLst/>
-                          <a:latin typeface="+mn-lt"/>
-                          <a:ea typeface="+mn-ea"/>
-                          <a:cs typeface="+mn-cs"/>
-                        </a:rPr>
-                        <a:t>Predicting Surgical Complications in Adult Patients Undergoing Anterior Cervical Discectomy and Fusion Using Machine Learning." </a:t>
-                      </a:r>
-                      <a:r>
-                        <a:rPr lang="en-US" sz="1800" b="1" i="1" kern="1200" dirty="0" err="1" smtClean="0">
-                          <a:solidFill>
-                            <a:schemeClr val="dk1"/>
-                          </a:solidFill>
-                          <a:effectLst/>
-                          <a:latin typeface="+mn-lt"/>
-                          <a:ea typeface="+mn-ea"/>
-                          <a:cs typeface="+mn-cs"/>
-                        </a:rPr>
-                        <a:t>Neurospine</a:t>
-                      </a:r>
-                      <a:r>
-                        <a:rPr lang="en-US" sz="1800" b="1" i="0" kern="1200" dirty="0" smtClean="0">
-                          <a:solidFill>
-                            <a:schemeClr val="dk1"/>
-                          </a:solidFill>
-                          <a:effectLst/>
-                          <a:latin typeface="+mn-lt"/>
-                          <a:ea typeface="+mn-ea"/>
-                          <a:cs typeface="+mn-cs"/>
-                        </a:rPr>
-                        <a:t> 15, no. 4 (2018)</a:t>
-                      </a:r>
-                      <a:endParaRPr lang="en-US" b="1" dirty="0">
-                        <a:latin typeface="Times New Roman" panose="02020603050405020304" pitchFamily="18" charset="0"/>
-                        <a:cs typeface="Times New Roman" panose="02020603050405020304" pitchFamily="18" charset="0"/>
-                      </a:endParaRPr>
-                    </a:p>
-                  </a:txBody>
-                  <a:tcPr/>
-                </a:tc>
-                <a:tc>
-                  <a:txBody>
-                    <a:bodyPr/>
-                    <a:lstStyle/>
-                    <a:p>
-                      <a:pPr algn="ctr"/>
-                      <a:endParaRPr lang="en-US" dirty="0" smtClean="0">
-                        <a:latin typeface="Times New Roman" panose="02020603050405020304" pitchFamily="18" charset="0"/>
-                        <a:cs typeface="Times New Roman" panose="02020603050405020304" pitchFamily="18" charset="0"/>
-                      </a:endParaRPr>
-                    </a:p>
-                    <a:p>
-                      <a:pPr algn="ctr"/>
-                      <a:endParaRPr lang="en-US" dirty="0" smtClean="0">
-                        <a:latin typeface="Times New Roman" panose="02020603050405020304" pitchFamily="18" charset="0"/>
-                        <a:cs typeface="Times New Roman" panose="02020603050405020304" pitchFamily="18" charset="0"/>
-                      </a:endParaRPr>
-                    </a:p>
-                    <a:p>
-                      <a:pPr algn="ctr"/>
-                      <a:r>
-                        <a:rPr lang="en-US" sz="1800" b="1" i="0" kern="1200" dirty="0" smtClean="0">
-                          <a:solidFill>
-                            <a:schemeClr val="dk1"/>
-                          </a:solidFill>
-                          <a:effectLst/>
-                          <a:latin typeface="+mn-lt"/>
-                          <a:ea typeface="+mn-ea"/>
-                          <a:cs typeface="+mn-cs"/>
-                        </a:rPr>
-                        <a:t>ACDF</a:t>
-                      </a:r>
-                      <a:endParaRPr lang="en-US" b="1" dirty="0">
-                        <a:latin typeface="Times New Roman" panose="02020603050405020304" pitchFamily="18" charset="0"/>
-                        <a:cs typeface="Times New Roman" panose="02020603050405020304" pitchFamily="18" charset="0"/>
-                      </a:endParaRPr>
-                    </a:p>
-                  </a:txBody>
-                  <a:tcPr/>
-                </a:tc>
-                <a:tc>
-                  <a:txBody>
-                    <a:bodyPr/>
-                    <a:lstStyle/>
-                    <a:p>
-                      <a:endParaRPr lang="en-US" dirty="0" smtClean="0">
-                        <a:latin typeface="Times New Roman" panose="02020603050405020304" pitchFamily="18" charset="0"/>
-                        <a:cs typeface="Times New Roman" panose="02020603050405020304" pitchFamily="18" charset="0"/>
-                      </a:endParaRPr>
-                    </a:p>
-                    <a:p>
-                      <a:pPr algn="ctr"/>
-                      <a:r>
-                        <a:rPr lang="en-US" dirty="0" smtClean="0">
-                          <a:latin typeface="Times New Roman" panose="02020603050405020304" pitchFamily="18" charset="0"/>
-                          <a:cs typeface="Times New Roman" panose="02020603050405020304" pitchFamily="18" charset="0"/>
-                        </a:rPr>
-                        <a:t>Demographics,</a:t>
-                      </a:r>
-                    </a:p>
-                    <a:p>
-                      <a:pPr algn="ctr"/>
-                      <a:r>
-                        <a:rPr lang="en-US" dirty="0" smtClean="0">
-                          <a:latin typeface="Times New Roman" panose="02020603050405020304" pitchFamily="18" charset="0"/>
-                          <a:cs typeface="Times New Roman" panose="02020603050405020304" pitchFamily="18" charset="0"/>
-                        </a:rPr>
-                        <a:t>Chart Events</a:t>
-                      </a:r>
-                    </a:p>
-                    <a:p>
-                      <a:pPr algn="ctr"/>
-                      <a:r>
-                        <a:rPr lang="en-US" dirty="0" smtClean="0">
-                          <a:latin typeface="Times New Roman" panose="02020603050405020304" pitchFamily="18" charset="0"/>
-                          <a:cs typeface="Times New Roman" panose="02020603050405020304" pitchFamily="18" charset="0"/>
-                        </a:rPr>
-                        <a:t>Medications</a:t>
-                      </a:r>
-                    </a:p>
-                    <a:p>
-                      <a:pPr algn="ctr"/>
-                      <a:endParaRPr lang="en-US" dirty="0">
-                        <a:latin typeface="Times New Roman" panose="02020603050405020304" pitchFamily="18" charset="0"/>
-                        <a:cs typeface="Times New Roman" panose="02020603050405020304" pitchFamily="18" charset="0"/>
-                      </a:endParaRPr>
-                    </a:p>
-                  </a:txBody>
-                  <a:tcPr/>
-                </a:tc>
-                <a:tc>
-                  <a:txBody>
-                    <a:bodyPr/>
-                    <a:lstStyle/>
-                    <a:p>
-                      <a:endParaRPr lang="en-US" dirty="0" smtClean="0">
-                        <a:latin typeface="Times New Roman" panose="02020603050405020304" pitchFamily="18" charset="0"/>
-                        <a:cs typeface="Times New Roman" panose="02020603050405020304" pitchFamily="18" charset="0"/>
-                      </a:endParaRPr>
-                    </a:p>
-                    <a:p>
-                      <a:pPr algn="ctr"/>
-                      <a:r>
-                        <a:rPr lang="en-US" b="1" dirty="0" smtClean="0">
-                          <a:latin typeface="Times New Roman" panose="02020603050405020304" pitchFamily="18" charset="0"/>
-                          <a:cs typeface="Times New Roman" panose="02020603050405020304" pitchFamily="18" charset="0"/>
-                        </a:rPr>
-                        <a:t>ANN</a:t>
-                      </a:r>
-                    </a:p>
-                    <a:p>
-                      <a:pPr algn="ctr"/>
-                      <a:r>
-                        <a:rPr lang="en-US" b="1" dirty="0" smtClean="0">
-                          <a:latin typeface="Times New Roman" panose="02020603050405020304" pitchFamily="18" charset="0"/>
-                          <a:cs typeface="Times New Roman" panose="02020603050405020304" pitchFamily="18" charset="0"/>
-                        </a:rPr>
-                        <a:t>LR</a:t>
-                      </a:r>
-                    </a:p>
-                    <a:p>
-                      <a:pPr algn="ctr"/>
-                      <a:r>
-                        <a:rPr lang="en-US" b="1" dirty="0" smtClean="0">
-                          <a:latin typeface="Times New Roman" panose="02020603050405020304" pitchFamily="18" charset="0"/>
-                          <a:cs typeface="Times New Roman" panose="02020603050405020304" pitchFamily="18" charset="0"/>
-                        </a:rPr>
-                        <a:t>SVM</a:t>
-                      </a:r>
-                    </a:p>
-                  </a:txBody>
-                  <a:tcPr/>
-                </a:tc>
-                <a:tc>
-                  <a:txBody>
-                    <a:bodyPr/>
-                    <a:lstStyle/>
-                    <a:p>
-                      <a:r>
-                        <a:rPr lang="en-US" sz="1800" b="0" i="0" kern="1200" dirty="0" smtClean="0">
-                          <a:solidFill>
-                            <a:schemeClr val="dk1"/>
-                          </a:solidFill>
-                          <a:effectLst/>
-                          <a:latin typeface="+mn-lt"/>
-                          <a:ea typeface="+mn-ea"/>
-                          <a:cs typeface="+mn-cs"/>
-                        </a:rPr>
-                        <a:t> </a:t>
-                      </a:r>
-                    </a:p>
-                    <a:p>
-                      <a:endParaRPr lang="en-US" sz="1800" b="0" i="0" kern="1200" dirty="0" smtClean="0">
-                        <a:solidFill>
-                          <a:schemeClr val="dk1"/>
-                        </a:solidFill>
-                        <a:effectLst/>
-                        <a:latin typeface="+mn-lt"/>
-                        <a:ea typeface="+mn-ea"/>
-                        <a:cs typeface="+mn-cs"/>
-                      </a:endParaRPr>
-                    </a:p>
-                    <a:p>
-                      <a:pPr algn="ctr"/>
-                      <a:r>
-                        <a:rPr lang="en-US" sz="1800" b="1" i="0" kern="1200" dirty="0" smtClean="0">
-                          <a:solidFill>
-                            <a:schemeClr val="dk1"/>
-                          </a:solidFill>
-                          <a:effectLst/>
-                          <a:latin typeface="+mn-lt"/>
-                          <a:ea typeface="+mn-ea"/>
-                          <a:cs typeface="+mn-cs"/>
-                        </a:rPr>
-                        <a:t>(p &lt; 0.05)</a:t>
-                      </a:r>
-                      <a:endParaRPr lang="en-US" b="1" dirty="0">
-                        <a:latin typeface="Times New Roman" panose="02020603050405020304" pitchFamily="18" charset="0"/>
-                        <a:cs typeface="Times New Roman" panose="02020603050405020304" pitchFamily="18" charset="0"/>
-                      </a:endParaRPr>
-                    </a:p>
-                  </a:txBody>
-                  <a:tcPr/>
-                </a:tc>
-                <a:extLst>
-                  <a:ext uri="{0D108BD9-81ED-4DB2-BD59-A6C34878D82A}">
-                    <a16:rowId xmlns:a16="http://schemas.microsoft.com/office/drawing/2014/main" val="376083504"/>
-                  </a:ext>
-                </a:extLst>
-              </a:tr>
-            </a:tbl>
-          </a:graphicData>
-        </a:graphic>
-      </p:graphicFrame>
-    </p:spTree>
-    <p:extLst>
-      <p:ext uri="{BB962C8B-B14F-4D97-AF65-F5344CB8AC3E}">
-        <p14:creationId xmlns:p14="http://schemas.microsoft.com/office/powerpoint/2010/main" val="2369373118"/>
-      </p:ext>
-    </p:extLst>
-  </p:cSld>
-  <p:clrMapOvr>
-    <a:masterClrMapping/>
-  </p:clrMapOvr>
-  <p:timing>
-    <p:tnLst>
-      <p:par>
-        <p:cTn id="1" dur="indefinite" restart="never" nodeType="tmRoot"/>
-      </p:par>
-    </p:tnLst>
-  </p:timing>
-</p:sld>
-</file>
-
-<file path=ppt/slides/slide3.xml><?xml version="1.0" encoding="utf-8"?>
-<p:sld xmlns:a="http://schemas.openxmlformats.org/drawingml/2006/main" xmlns:r="http://schemas.openxmlformats.org/officeDocument/2006/relationships" xmlns:p="http://schemas.openxmlformats.org/presentationml/2006/main">
-  <p:cSld>
-    <p:spTree>
-      <p:nvGrpSpPr>
-        <p:cNvPr id="1" name=""/>
-        <p:cNvGrpSpPr/>
-        <p:nvPr/>
-      </p:nvGrpSpPr>
-      <p:grpSpPr>
-        <a:xfrm>
-          <a:off x="0" y="0"/>
-          <a:ext cx="0" cy="0"/>
-          <a:chOff x="0" y="0"/>
-          <a:chExt cx="0" cy="0"/>
-        </a:xfrm>
-      </p:grpSpPr>
-      <p:pic>
-        <p:nvPicPr>
-          <p:cNvPr id="2" name="Picture 1" descr="D:\DataScience\ThesisTemplate\ITU-Thesis-Template\batch-processing-pattern.png"/>
-          <p:cNvPicPr/>
-          <p:nvPr/>
-        </p:nvPicPr>
-        <p:blipFill>
-          <a:blip r:embed="rId2">
-            <a:extLst>
-              <a:ext uri="{28A0092B-C50C-407E-A947-70E740481C1C}">
-                <a14:useLocalDpi xmlns:a14="http://schemas.microsoft.com/office/drawing/2010/main" val="0"/>
-              </a:ext>
-            </a:extLst>
-          </a:blip>
-          <a:srcRect/>
-          <a:stretch>
-            <a:fillRect/>
-          </a:stretch>
-        </p:blipFill>
-        <p:spPr bwMode="auto">
-          <a:xfrm>
-            <a:off x="2521527" y="277091"/>
-            <a:ext cx="6732010" cy="3172690"/>
-          </a:xfrm>
-          <a:prstGeom prst="rect">
-            <a:avLst/>
-          </a:prstGeom>
-          <a:noFill/>
-          <a:ln>
-            <a:noFill/>
-          </a:ln>
-        </p:spPr>
-      </p:pic>
-      <p:sp>
-        <p:nvSpPr>
-          <p:cNvPr id="3" name="TextBox 2"/>
-          <p:cNvSpPr txBox="1"/>
-          <p:nvPr/>
-        </p:nvSpPr>
-        <p:spPr>
-          <a:xfrm>
-            <a:off x="637309" y="3560619"/>
-            <a:ext cx="11000509" cy="2677656"/>
-          </a:xfrm>
-          <a:prstGeom prst="rect">
-            <a:avLst/>
-          </a:prstGeom>
-          <a:noFill/>
-        </p:spPr>
-        <p:txBody>
-          <a:bodyPr wrap="square" rtlCol="0">
-            <a:spAutoFit/>
-          </a:bodyPr>
-          <a:lstStyle/>
-          <a:p>
-            <a:pPr marL="285750" indent="-285750">
-              <a:buFont typeface="Arial" panose="020B0604020202020204" pitchFamily="34" charset="0"/>
-              <a:buChar char="•"/>
-            </a:pPr>
-            <a:r>
-              <a:rPr lang="en-US" sz="2400" dirty="0" err="1" smtClean="0"/>
-              <a:t>PostgresSQL</a:t>
-            </a:r>
-            <a:r>
-              <a:rPr lang="en-US" sz="2400" dirty="0" smtClean="0"/>
-              <a:t> Database</a:t>
-            </a:r>
-          </a:p>
-          <a:p>
-            <a:pPr marL="285750" indent="-285750">
-              <a:buFont typeface="Arial" panose="020B0604020202020204" pitchFamily="34" charset="0"/>
-              <a:buChar char="•"/>
-            </a:pPr>
-            <a:r>
-              <a:rPr lang="en-US" sz="2400" dirty="0" smtClean="0"/>
-              <a:t>Tables, Views, Dynamic Queries</a:t>
-            </a:r>
-          </a:p>
-          <a:p>
-            <a:pPr marL="285750" indent="-285750">
-              <a:buFont typeface="Arial" panose="020B0604020202020204" pitchFamily="34" charset="0"/>
-              <a:buChar char="•"/>
-            </a:pPr>
-            <a:endParaRPr lang="en-US" sz="2400" dirty="0"/>
-          </a:p>
-          <a:p>
-            <a:pPr marL="285750" indent="-285750">
-              <a:buFont typeface="Arial" panose="020B0604020202020204" pitchFamily="34" charset="0"/>
-              <a:buChar char="•"/>
-            </a:pPr>
-            <a:r>
-              <a:rPr lang="en-US" sz="2400" dirty="0" smtClean="0"/>
-              <a:t>For huge files of Chart Events and Lab Events, for features extraction did Batch processing in Python</a:t>
-            </a:r>
-          </a:p>
-          <a:p>
-            <a:pPr marL="285750" indent="-285750">
-              <a:buFont typeface="Arial" panose="020B0604020202020204" pitchFamily="34" charset="0"/>
-              <a:buChar char="•"/>
-            </a:pPr>
-            <a:endParaRPr lang="en-US" sz="2400" dirty="0"/>
-          </a:p>
-          <a:p>
-            <a:pPr marL="285750" indent="-285750">
-              <a:buFont typeface="Arial" panose="020B0604020202020204" pitchFamily="34" charset="0"/>
-              <a:buChar char="•"/>
-            </a:pPr>
-            <a:r>
-              <a:rPr lang="en-US" sz="2400" dirty="0" err="1" smtClean="0"/>
-              <a:t>Dervied</a:t>
-            </a:r>
-            <a:r>
-              <a:rPr lang="en-US" sz="2400" dirty="0" smtClean="0"/>
-              <a:t> concepts from multiple care systems mentioned earlier</a:t>
-            </a:r>
-            <a:endParaRPr lang="en-US" sz="2400" dirty="0"/>
-          </a:p>
-        </p:txBody>
-      </p:sp>
-    </p:spTree>
-    <p:extLst>
-      <p:ext uri="{BB962C8B-B14F-4D97-AF65-F5344CB8AC3E}">
-        <p14:creationId xmlns:p14="http://schemas.microsoft.com/office/powerpoint/2010/main" val="3470027215"/>
-      </p:ext>
-    </p:extLst>
-  </p:cSld>
-  <p:clrMapOvr>
-    <a:masterClrMapping/>
-  </p:clrMapOvr>
-  <p:timing>
-    <p:tnLst>
-      <p:par>
-        <p:cTn id="1" dur="indefinite" restart="never" nodeType="tmRoot"/>
-      </p:par>
-    </p:tnLst>
-  </p:timing>
-</p:sld>
-</file>
-
-<file path=ppt/slides/slide4.xml><?xml version="1.0" encoding="utf-8"?>
-<p:sld xmlns:a="http://schemas.openxmlformats.org/drawingml/2006/main" xmlns:r="http://schemas.openxmlformats.org/officeDocument/2006/relationships" xmlns:p="http://schemas.openxmlformats.org/presentationml/2006/main">
-  <p:cSld>
-    <p:spTree>
-      <p:nvGrpSpPr>
-        <p:cNvPr id="1" name=""/>
-        <p:cNvGrpSpPr/>
-        <p:nvPr/>
-      </p:nvGrpSpPr>
-      <p:grpSpPr>
-        <a:xfrm>
-          <a:off x="0" y="0"/>
-          <a:ext cx="0" cy="0"/>
-          <a:chOff x="0" y="0"/>
-          <a:chExt cx="0" cy="0"/>
-        </a:xfrm>
-      </p:grpSpPr>
-      <p:graphicFrame>
-        <p:nvGraphicFramePr>
-          <p:cNvPr id="2" name="Table 1"/>
-          <p:cNvGraphicFramePr>
-            <a:graphicFrameLocks noGrp="1"/>
-          </p:cNvGraphicFramePr>
-          <p:nvPr>
-            <p:extLst>
-              <p:ext uri="{D42A27DB-BD31-4B8C-83A1-F6EECF244321}">
-                <p14:modId xmlns:p14="http://schemas.microsoft.com/office/powerpoint/2010/main" val="1829735939"/>
-              </p:ext>
-            </p:extLst>
-          </p:nvPr>
-        </p:nvGraphicFramePr>
-        <p:xfrm>
-          <a:off x="0" y="457200"/>
-          <a:ext cx="12192000" cy="5759336"/>
-        </p:xfrm>
-        <a:graphic>
-          <a:graphicData uri="http://schemas.openxmlformats.org/drawingml/2006/table">
-            <a:tbl>
-              <a:tblPr firstRow="1" firstCol="1" bandRow="1"/>
-              <a:tblGrid>
-                <a:gridCol w="3172691">
-                  <a:extLst>
-                    <a:ext uri="{9D8B030D-6E8A-4147-A177-3AD203B41FA5}">
-                      <a16:colId xmlns:a16="http://schemas.microsoft.com/office/drawing/2014/main" val="2387089875"/>
-                    </a:ext>
-                  </a:extLst>
-                </a:gridCol>
-                <a:gridCol w="9019309">
-                  <a:extLst>
-                    <a:ext uri="{9D8B030D-6E8A-4147-A177-3AD203B41FA5}">
-                      <a16:colId xmlns:a16="http://schemas.microsoft.com/office/drawing/2014/main" val="1505822343"/>
-                    </a:ext>
-                  </a:extLst>
-                </a:gridCol>
-              </a:tblGrid>
-              <a:tr h="143047">
-                <a:tc>
-                  <a:txBody>
-                    <a:bodyPr/>
-                    <a:lstStyle/>
-                    <a:p>
-                      <a:pPr algn="ctr">
-                        <a:spcAft>
-                          <a:spcPts val="0"/>
-                        </a:spcAft>
-                      </a:pPr>
-                      <a:r>
-                        <a:rPr lang="en-US" sz="1600">
-                          <a:solidFill>
-                            <a:srgbClr val="FFFFFF"/>
-                          </a:solidFill>
-                          <a:effectLst/>
-                          <a:latin typeface="Times New Roman" panose="02020603050405020304" pitchFamily="18" charset="0"/>
-                          <a:ea typeface="Times New Roman" panose="02020603050405020304" pitchFamily="18" charset="0"/>
-                          <a:cs typeface="Times New Roman" panose="02020603050405020304" pitchFamily="18" charset="0"/>
-                        </a:rPr>
-                        <a:t>Class of Data</a:t>
-                      </a:r>
-                      <a:endParaRPr lang="en-US" sz="1600">
-                        <a:effectLst/>
-                        <a:latin typeface="Times New Roman" panose="02020603050405020304" pitchFamily="18" charset="0"/>
-                        <a:ea typeface="Cordia New"/>
-                        <a:cs typeface="Times New Roman" panose="02020603050405020304" pitchFamily="18" charset="0"/>
-                      </a:endParaRPr>
-                    </a:p>
-                  </a:txBody>
-                  <a:tcPr marL="40794" marR="40794" marT="0" marB="0">
-                    <a:lnL w="12700" cap="flat" cmpd="sng" algn="ctr">
-                      <a:solidFill>
-                        <a:srgbClr val="000000"/>
-                      </a:solidFill>
-                      <a:prstDash val="solid"/>
-                      <a:round/>
-                      <a:headEnd type="none" w="med" len="med"/>
-                      <a:tailEnd type="none" w="med" len="med"/>
-                    </a:lnL>
-                    <a:lnR w="12700" cap="flat" cmpd="sng" algn="ctr">
-                      <a:solidFill>
-                        <a:srgbClr val="000000"/>
-                      </a:solidFill>
-                      <a:prstDash val="solid"/>
-                      <a:round/>
-                      <a:headEnd type="none" w="med" len="med"/>
-                      <a:tailEnd type="none" w="med" len="med"/>
-                    </a:lnR>
-                    <a:lnT w="12700" cap="flat" cmpd="sng" algn="ctr">
-                      <a:solidFill>
-                        <a:srgbClr val="000000"/>
-                      </a:solidFill>
-                      <a:prstDash val="solid"/>
-                      <a:round/>
-                      <a:headEnd type="none" w="med" len="med"/>
-                      <a:tailEnd type="none" w="med" len="med"/>
-                    </a:lnT>
-                    <a:lnB w="12700" cap="flat" cmpd="sng" algn="ctr">
-                      <a:solidFill>
-                        <a:srgbClr val="000000"/>
-                      </a:solidFill>
-                      <a:prstDash val="solid"/>
-                      <a:round/>
-                      <a:headEnd type="none" w="med" len="med"/>
-                      <a:tailEnd type="none" w="med" len="med"/>
-                    </a:lnB>
-                    <a:solidFill>
-                      <a:srgbClr val="403152"/>
-                    </a:solidFill>
-                  </a:tcPr>
-                </a:tc>
-                <a:tc>
-                  <a:txBody>
-                    <a:bodyPr/>
-                    <a:lstStyle/>
-                    <a:p>
-                      <a:pPr algn="ctr">
-                        <a:spcAft>
-                          <a:spcPts val="0"/>
-                        </a:spcAft>
-                      </a:pPr>
-                      <a:r>
-                        <a:rPr lang="en-US" sz="1600">
-                          <a:solidFill>
-                            <a:srgbClr val="FFFFFF"/>
-                          </a:solidFill>
-                          <a:effectLst/>
-                          <a:latin typeface="Times New Roman" panose="02020603050405020304" pitchFamily="18" charset="0"/>
-                          <a:ea typeface="Times New Roman" panose="02020603050405020304" pitchFamily="18" charset="0"/>
-                          <a:cs typeface="Times New Roman" panose="02020603050405020304" pitchFamily="18" charset="0"/>
-                        </a:rPr>
-                        <a:t>Summary</a:t>
-                      </a:r>
-                      <a:endParaRPr lang="en-US" sz="1600">
-                        <a:effectLst/>
-                        <a:latin typeface="Times New Roman" panose="02020603050405020304" pitchFamily="18" charset="0"/>
-                        <a:ea typeface="Cordia New"/>
-                        <a:cs typeface="Times New Roman" panose="02020603050405020304" pitchFamily="18" charset="0"/>
-                      </a:endParaRPr>
-                    </a:p>
-                  </a:txBody>
-                  <a:tcPr marL="40794" marR="40794" marT="0" marB="0">
-                    <a:lnL w="12700" cap="flat" cmpd="sng" algn="ctr">
-                      <a:solidFill>
-                        <a:srgbClr val="000000"/>
-                      </a:solidFill>
-                      <a:prstDash val="solid"/>
-                      <a:round/>
-                      <a:headEnd type="none" w="med" len="med"/>
-                      <a:tailEnd type="none" w="med" len="med"/>
-                    </a:lnL>
-                    <a:lnR w="12700" cap="flat" cmpd="sng" algn="ctr">
-                      <a:solidFill>
-                        <a:srgbClr val="000000"/>
-                      </a:solidFill>
-                      <a:prstDash val="solid"/>
-                      <a:round/>
-                      <a:headEnd type="none" w="med" len="med"/>
-                      <a:tailEnd type="none" w="med" len="med"/>
-                    </a:lnR>
-                    <a:lnT w="12700" cap="flat" cmpd="sng" algn="ctr">
-                      <a:solidFill>
-                        <a:srgbClr val="000000"/>
-                      </a:solidFill>
-                      <a:prstDash val="solid"/>
-                      <a:round/>
-                      <a:headEnd type="none" w="med" len="med"/>
-                      <a:tailEnd type="none" w="med" len="med"/>
-                    </a:lnT>
-                    <a:lnB w="12700" cap="flat" cmpd="sng" algn="ctr">
-                      <a:solidFill>
-                        <a:srgbClr val="000000"/>
-                      </a:solidFill>
-                      <a:prstDash val="solid"/>
-                      <a:round/>
-                      <a:headEnd type="none" w="med" len="med"/>
-                      <a:tailEnd type="none" w="med" len="med"/>
-                    </a:lnB>
-                    <a:solidFill>
-                      <a:srgbClr val="403152"/>
-                    </a:solidFill>
-                  </a:tcPr>
-                </a:tc>
-                <a:extLst>
-                  <a:ext uri="{0D108BD9-81ED-4DB2-BD59-A6C34878D82A}">
-                    <a16:rowId xmlns:a16="http://schemas.microsoft.com/office/drawing/2014/main" val="938635750"/>
-                  </a:ext>
-                </a:extLst>
-              </a:tr>
-              <a:tr h="858290">
-                <a:tc>
-                  <a:txBody>
-                    <a:bodyPr/>
-                    <a:lstStyle/>
-                    <a:p>
-                      <a:pPr algn="ctr">
-                        <a:lnSpc>
-                          <a:spcPct val="150000"/>
-                        </a:lnSpc>
-                        <a:spcAft>
-                          <a:spcPts val="0"/>
-                        </a:spcAft>
-                        <a:tabLst>
-                          <a:tab pos="2430780" algn="l"/>
-                        </a:tabLst>
-                      </a:pPr>
-                      <a:r>
-                        <a:rPr lang="en-US" sz="1600" dirty="0">
-                          <a:solidFill>
-                            <a:srgbClr val="000000"/>
-                          </a:solidFill>
-                          <a:effectLst/>
-                          <a:latin typeface="Times New Roman" panose="02020603050405020304" pitchFamily="18" charset="0"/>
-                          <a:ea typeface="Cordia New"/>
-                          <a:cs typeface="Times New Roman" panose="02020603050405020304" pitchFamily="18" charset="0"/>
-                        </a:rPr>
-                        <a:t>Comorbidity</a:t>
-                      </a:r>
-                      <a:endParaRPr lang="en-US" sz="1600" dirty="0">
-                        <a:effectLst/>
-                        <a:latin typeface="Times New Roman" panose="02020603050405020304" pitchFamily="18" charset="0"/>
-                        <a:ea typeface="Cordia New"/>
-                        <a:cs typeface="Times New Roman" panose="02020603050405020304" pitchFamily="18" charset="0"/>
-                      </a:endParaRPr>
-                    </a:p>
-                  </a:txBody>
-                  <a:tcPr marL="40794" marR="40794" marT="0" marB="0">
-                    <a:lnL w="12700" cap="flat" cmpd="sng" algn="ctr">
-                      <a:solidFill>
-                        <a:srgbClr val="000000"/>
-                      </a:solidFill>
-                      <a:prstDash val="solid"/>
-                      <a:round/>
-                      <a:headEnd type="none" w="med" len="med"/>
-                      <a:tailEnd type="none" w="med" len="med"/>
-                    </a:lnL>
-                    <a:lnR w="12700" cap="flat" cmpd="sng" algn="ctr">
-                      <a:solidFill>
-                        <a:srgbClr val="000000"/>
-                      </a:solidFill>
-                      <a:prstDash val="solid"/>
-                      <a:round/>
-                      <a:headEnd type="none" w="med" len="med"/>
-                      <a:tailEnd type="none" w="med" len="med"/>
-                    </a:lnR>
-                    <a:lnT w="12700" cap="flat" cmpd="sng" algn="ctr">
-                      <a:solidFill>
-                        <a:srgbClr val="000000"/>
-                      </a:solidFill>
-                      <a:prstDash val="solid"/>
-                      <a:round/>
-                      <a:headEnd type="none" w="med" len="med"/>
-                      <a:tailEnd type="none" w="med" len="med"/>
-                    </a:lnT>
-                    <a:lnB w="12700" cap="flat" cmpd="sng" algn="ctr">
-                      <a:solidFill>
-                        <a:srgbClr val="000000"/>
-                      </a:solidFill>
-                      <a:prstDash val="solid"/>
-                      <a:round/>
-                      <a:headEnd type="none" w="med" len="med"/>
-                      <a:tailEnd type="none" w="med" len="med"/>
-                    </a:lnB>
-                  </a:tcPr>
-                </a:tc>
-                <a:tc>
-                  <a:txBody>
-                    <a:bodyPr/>
-                    <a:lstStyle/>
-                    <a:p>
-                      <a:pPr algn="ctr">
-                        <a:lnSpc>
-                          <a:spcPct val="150000"/>
-                        </a:lnSpc>
-                        <a:spcAft>
-                          <a:spcPts val="0"/>
-                        </a:spcAft>
-                        <a:tabLst>
-                          <a:tab pos="2430780" algn="l"/>
-                        </a:tabLst>
-                      </a:pPr>
-                      <a:r>
-                        <a:rPr lang="en-US" sz="1600">
-                          <a:solidFill>
-                            <a:srgbClr val="000000"/>
-                          </a:solidFill>
-                          <a:effectLst/>
-                          <a:latin typeface="Times New Roman" panose="02020603050405020304" pitchFamily="18" charset="0"/>
-                          <a:ea typeface="Cordia New"/>
-                          <a:cs typeface="Times New Roman" panose="02020603050405020304" pitchFamily="18" charset="0"/>
-                        </a:rPr>
-                        <a:t>These scripts derive binary ﬂags indicating the presence of various comorbidities using billing codes (ICD-9) assigned to the patient at hospital discharge.</a:t>
-                      </a:r>
-                      <a:endParaRPr lang="en-US" sz="1600">
-                        <a:effectLst/>
-                        <a:latin typeface="Times New Roman" panose="02020603050405020304" pitchFamily="18" charset="0"/>
-                        <a:ea typeface="Cordia New"/>
-                        <a:cs typeface="Times New Roman" panose="02020603050405020304" pitchFamily="18" charset="0"/>
-                      </a:endParaRPr>
-                    </a:p>
-                  </a:txBody>
-                  <a:tcPr marL="40794" marR="40794" marT="0" marB="0">
-                    <a:lnL w="12700" cap="flat" cmpd="sng" algn="ctr">
-                      <a:solidFill>
-                        <a:srgbClr val="000000"/>
-                      </a:solidFill>
-                      <a:prstDash val="solid"/>
-                      <a:round/>
-                      <a:headEnd type="none" w="med" len="med"/>
-                      <a:tailEnd type="none" w="med" len="med"/>
-                    </a:lnL>
-                    <a:lnR w="12700" cap="flat" cmpd="sng" algn="ctr">
-                      <a:solidFill>
-                        <a:srgbClr val="000000"/>
-                      </a:solidFill>
-                      <a:prstDash val="solid"/>
-                      <a:round/>
-                      <a:headEnd type="none" w="med" len="med"/>
-                      <a:tailEnd type="none" w="med" len="med"/>
-                    </a:lnR>
-                    <a:lnT w="12700" cap="flat" cmpd="sng" algn="ctr">
-                      <a:solidFill>
-                        <a:srgbClr val="000000"/>
-                      </a:solidFill>
-                      <a:prstDash val="solid"/>
-                      <a:round/>
-                      <a:headEnd type="none" w="med" len="med"/>
-                      <a:tailEnd type="none" w="med" len="med"/>
-                    </a:lnT>
-                    <a:lnB w="12700" cap="flat" cmpd="sng" algn="ctr">
-                      <a:solidFill>
-                        <a:srgbClr val="000000"/>
-                      </a:solidFill>
-                      <a:prstDash val="solid"/>
-                      <a:round/>
-                      <a:headEnd type="none" w="med" len="med"/>
-                      <a:tailEnd type="none" w="med" len="med"/>
-                    </a:lnB>
-                  </a:tcPr>
-                </a:tc>
-                <a:extLst>
-                  <a:ext uri="{0D108BD9-81ED-4DB2-BD59-A6C34878D82A}">
-                    <a16:rowId xmlns:a16="http://schemas.microsoft.com/office/drawing/2014/main" val="2657395150"/>
-                  </a:ext>
-                </a:extLst>
-              </a:tr>
-              <a:tr h="1502006">
-                <a:tc>
-                  <a:txBody>
-                    <a:bodyPr/>
-                    <a:lstStyle/>
-                    <a:p>
-                      <a:pPr algn="ctr">
-                        <a:lnSpc>
-                          <a:spcPct val="150000"/>
-                        </a:lnSpc>
-                        <a:spcAft>
-                          <a:spcPts val="0"/>
-                        </a:spcAft>
-                        <a:tabLst>
-                          <a:tab pos="2430780" algn="l"/>
-                        </a:tabLst>
-                      </a:pPr>
-                      <a:r>
-                        <a:rPr lang="en-US" sz="1600">
-                          <a:solidFill>
-                            <a:srgbClr val="000000"/>
-                          </a:solidFill>
-                          <a:effectLst/>
-                          <a:latin typeface="Times New Roman" panose="02020603050405020304" pitchFamily="18" charset="0"/>
-                          <a:ea typeface="Cordia New"/>
-                          <a:cs typeface="Times New Roman" panose="02020603050405020304" pitchFamily="18" charset="0"/>
-                        </a:rPr>
-                        <a:t>First day</a:t>
-                      </a:r>
-                      <a:endParaRPr lang="en-US" sz="1600">
-                        <a:effectLst/>
-                        <a:latin typeface="Times New Roman" panose="02020603050405020304" pitchFamily="18" charset="0"/>
-                        <a:ea typeface="Cordia New"/>
-                        <a:cs typeface="Times New Roman" panose="02020603050405020304" pitchFamily="18" charset="0"/>
-                      </a:endParaRPr>
-                    </a:p>
-                  </a:txBody>
-                  <a:tcPr marL="40794" marR="40794" marT="0" marB="0">
-                    <a:lnL w="12700" cap="flat" cmpd="sng" algn="ctr">
-                      <a:solidFill>
-                        <a:srgbClr val="000000"/>
-                      </a:solidFill>
-                      <a:prstDash val="solid"/>
-                      <a:round/>
-                      <a:headEnd type="none" w="med" len="med"/>
-                      <a:tailEnd type="none" w="med" len="med"/>
-                    </a:lnL>
-                    <a:lnR w="12700" cap="flat" cmpd="sng" algn="ctr">
-                      <a:solidFill>
-                        <a:srgbClr val="000000"/>
-                      </a:solidFill>
-                      <a:prstDash val="solid"/>
-                      <a:round/>
-                      <a:headEnd type="none" w="med" len="med"/>
-                      <a:tailEnd type="none" w="med" len="med"/>
-                    </a:lnR>
-                    <a:lnT w="12700" cap="flat" cmpd="sng" algn="ctr">
-                      <a:solidFill>
-                        <a:srgbClr val="000000"/>
-                      </a:solidFill>
-                      <a:prstDash val="solid"/>
-                      <a:round/>
-                      <a:headEnd type="none" w="med" len="med"/>
-                      <a:tailEnd type="none" w="med" len="med"/>
-                    </a:lnT>
-                    <a:lnB w="12700" cap="flat" cmpd="sng" algn="ctr">
-                      <a:solidFill>
-                        <a:srgbClr val="000000"/>
-                      </a:solidFill>
-                      <a:prstDash val="solid"/>
-                      <a:round/>
-                      <a:headEnd type="none" w="med" len="med"/>
-                      <a:tailEnd type="none" w="med" len="med"/>
-                    </a:lnB>
-                  </a:tcPr>
-                </a:tc>
-                <a:tc>
-                  <a:txBody>
-                    <a:bodyPr/>
-                    <a:lstStyle/>
-                    <a:p>
-                      <a:pPr algn="ctr">
-                        <a:lnSpc>
-                          <a:spcPct val="150000"/>
-                        </a:lnSpc>
-                        <a:spcAft>
-                          <a:spcPts val="0"/>
-                        </a:spcAft>
-                        <a:tabLst>
-                          <a:tab pos="2430780" algn="l"/>
-                        </a:tabLst>
-                      </a:pPr>
-                      <a:r>
-                        <a:rPr lang="en-US" sz="1600">
-                          <a:solidFill>
-                            <a:srgbClr val="000000"/>
-                          </a:solidFill>
-                          <a:effectLst/>
-                          <a:latin typeface="Times New Roman" panose="02020603050405020304" pitchFamily="18" charset="0"/>
-                          <a:ea typeface="Cordia New"/>
-                          <a:cs typeface="Times New Roman" panose="02020603050405020304" pitchFamily="18" charset="0"/>
-                        </a:rPr>
-                        <a:t>The ﬁrst day subfolder contains scripts used to calculate various clinical concepts on the ﬁrst day of a patient’s admission to the ICU, such as the highest blood pressure, lowest temperature, etc. This folder contains many useful scripts which can be adapted to capture data outside the ﬁrst day.</a:t>
-                      </a:r>
-                      <a:endParaRPr lang="en-US" sz="1600">
-                        <a:effectLst/>
-                        <a:latin typeface="Times New Roman" panose="02020603050405020304" pitchFamily="18" charset="0"/>
-                        <a:ea typeface="Cordia New"/>
-                        <a:cs typeface="Times New Roman" panose="02020603050405020304" pitchFamily="18" charset="0"/>
-                      </a:endParaRPr>
-                    </a:p>
-                  </a:txBody>
-                  <a:tcPr marL="40794" marR="40794" marT="0" marB="0">
-                    <a:lnL w="12700" cap="flat" cmpd="sng" algn="ctr">
-                      <a:solidFill>
-                        <a:srgbClr val="000000"/>
-                      </a:solidFill>
-                      <a:prstDash val="solid"/>
-                      <a:round/>
-                      <a:headEnd type="none" w="med" len="med"/>
-                      <a:tailEnd type="none" w="med" len="med"/>
-                    </a:lnL>
-                    <a:lnR w="12700" cap="flat" cmpd="sng" algn="ctr">
-                      <a:solidFill>
-                        <a:srgbClr val="000000"/>
-                      </a:solidFill>
-                      <a:prstDash val="solid"/>
-                      <a:round/>
-                      <a:headEnd type="none" w="med" len="med"/>
-                      <a:tailEnd type="none" w="med" len="med"/>
-                    </a:lnR>
-                    <a:lnT w="12700" cap="flat" cmpd="sng" algn="ctr">
-                      <a:solidFill>
-                        <a:srgbClr val="000000"/>
-                      </a:solidFill>
-                      <a:prstDash val="solid"/>
-                      <a:round/>
-                      <a:headEnd type="none" w="med" len="med"/>
-                      <a:tailEnd type="none" w="med" len="med"/>
-                    </a:lnT>
-                    <a:lnB w="12700" cap="flat" cmpd="sng" algn="ctr">
-                      <a:solidFill>
-                        <a:srgbClr val="000000"/>
-                      </a:solidFill>
-                      <a:prstDash val="solid"/>
-                      <a:round/>
-                      <a:headEnd type="none" w="med" len="med"/>
-                      <a:tailEnd type="none" w="med" len="med"/>
-                    </a:lnB>
-                  </a:tcPr>
-                </a:tc>
-                <a:extLst>
-                  <a:ext uri="{0D108BD9-81ED-4DB2-BD59-A6C34878D82A}">
-                    <a16:rowId xmlns:a16="http://schemas.microsoft.com/office/drawing/2014/main" val="123640686"/>
-                  </a:ext>
-                </a:extLst>
-              </a:tr>
-              <a:tr h="429144">
-                <a:tc>
-                  <a:txBody>
-                    <a:bodyPr/>
-                    <a:lstStyle/>
-                    <a:p>
-                      <a:pPr algn="ctr">
-                        <a:lnSpc>
-                          <a:spcPct val="150000"/>
-                        </a:lnSpc>
-                        <a:spcAft>
-                          <a:spcPts val="0"/>
-                        </a:spcAft>
-                        <a:tabLst>
-                          <a:tab pos="2430780" algn="l"/>
-                        </a:tabLst>
-                      </a:pPr>
-                      <a:r>
-                        <a:rPr lang="en-US" sz="1600">
-                          <a:solidFill>
-                            <a:srgbClr val="000000"/>
-                          </a:solidFill>
-                          <a:effectLst/>
-                          <a:latin typeface="Times New Roman" panose="02020603050405020304" pitchFamily="18" charset="0"/>
-                          <a:ea typeface="Cordia New"/>
-                          <a:cs typeface="Times New Roman" panose="02020603050405020304" pitchFamily="18" charset="0"/>
-                        </a:rPr>
-                        <a:t>Sepsis</a:t>
-                      </a:r>
-                      <a:endParaRPr lang="en-US" sz="1600">
-                        <a:effectLst/>
-                        <a:latin typeface="Times New Roman" panose="02020603050405020304" pitchFamily="18" charset="0"/>
-                        <a:ea typeface="Cordia New"/>
-                        <a:cs typeface="Times New Roman" panose="02020603050405020304" pitchFamily="18" charset="0"/>
-                      </a:endParaRPr>
-                    </a:p>
-                  </a:txBody>
-                  <a:tcPr marL="40794" marR="40794" marT="0" marB="0">
-                    <a:lnL w="12700" cap="flat" cmpd="sng" algn="ctr">
-                      <a:solidFill>
-                        <a:srgbClr val="000000"/>
-                      </a:solidFill>
-                      <a:prstDash val="solid"/>
-                      <a:round/>
-                      <a:headEnd type="none" w="med" len="med"/>
-                      <a:tailEnd type="none" w="med" len="med"/>
-                    </a:lnL>
-                    <a:lnR w="12700" cap="flat" cmpd="sng" algn="ctr">
-                      <a:solidFill>
-                        <a:srgbClr val="000000"/>
-                      </a:solidFill>
-                      <a:prstDash val="solid"/>
-                      <a:round/>
-                      <a:headEnd type="none" w="med" len="med"/>
-                      <a:tailEnd type="none" w="med" len="med"/>
-                    </a:lnR>
-                    <a:lnT w="12700" cap="flat" cmpd="sng" algn="ctr">
-                      <a:solidFill>
-                        <a:srgbClr val="000000"/>
-                      </a:solidFill>
-                      <a:prstDash val="solid"/>
-                      <a:round/>
-                      <a:headEnd type="none" w="med" len="med"/>
-                      <a:tailEnd type="none" w="med" len="med"/>
-                    </a:lnT>
-                    <a:lnB w="12700" cap="flat" cmpd="sng" algn="ctr">
-                      <a:solidFill>
-                        <a:srgbClr val="000000"/>
-                      </a:solidFill>
-                      <a:prstDash val="solid"/>
-                      <a:round/>
-                      <a:headEnd type="none" w="med" len="med"/>
-                      <a:tailEnd type="none" w="med" len="med"/>
-                    </a:lnB>
-                  </a:tcPr>
-                </a:tc>
-                <a:tc>
-                  <a:txBody>
-                    <a:bodyPr/>
-                    <a:lstStyle/>
-                    <a:p>
-                      <a:pPr algn="ctr">
-                        <a:lnSpc>
-                          <a:spcPct val="150000"/>
-                        </a:lnSpc>
-                        <a:spcAft>
-                          <a:spcPts val="0"/>
-                        </a:spcAft>
-                        <a:tabLst>
-                          <a:tab pos="2430780" algn="l"/>
-                        </a:tabLst>
-                      </a:pPr>
-                      <a:r>
-                        <a:rPr lang="en-US" sz="1600">
-                          <a:solidFill>
-                            <a:srgbClr val="000000"/>
-                          </a:solidFill>
-                          <a:effectLst/>
-                          <a:latin typeface="Times New Roman" panose="02020603050405020304" pitchFamily="18" charset="0"/>
-                          <a:ea typeface="Cordia New"/>
-                          <a:cs typeface="Times New Roman" panose="02020603050405020304" pitchFamily="18" charset="0"/>
-                        </a:rPr>
-                        <a:t>Deﬁnitions of sepsis, a common cause of mortality for intensive care unit patients.</a:t>
-                      </a:r>
-                      <a:endParaRPr lang="en-US" sz="1600">
-                        <a:effectLst/>
-                        <a:latin typeface="Times New Roman" panose="02020603050405020304" pitchFamily="18" charset="0"/>
-                        <a:ea typeface="Cordia New"/>
-                        <a:cs typeface="Times New Roman" panose="02020603050405020304" pitchFamily="18" charset="0"/>
-                      </a:endParaRPr>
-                    </a:p>
-                  </a:txBody>
-                  <a:tcPr marL="40794" marR="40794" marT="0" marB="0">
-                    <a:lnL w="12700" cap="flat" cmpd="sng" algn="ctr">
-                      <a:solidFill>
-                        <a:srgbClr val="000000"/>
-                      </a:solidFill>
-                      <a:prstDash val="solid"/>
-                      <a:round/>
-                      <a:headEnd type="none" w="med" len="med"/>
-                      <a:tailEnd type="none" w="med" len="med"/>
-                    </a:lnL>
-                    <a:lnR w="12700" cap="flat" cmpd="sng" algn="ctr">
-                      <a:solidFill>
-                        <a:srgbClr val="000000"/>
-                      </a:solidFill>
-                      <a:prstDash val="solid"/>
-                      <a:round/>
-                      <a:headEnd type="none" w="med" len="med"/>
-                      <a:tailEnd type="none" w="med" len="med"/>
-                    </a:lnR>
-                    <a:lnT w="12700" cap="flat" cmpd="sng" algn="ctr">
-                      <a:solidFill>
-                        <a:srgbClr val="000000"/>
-                      </a:solidFill>
-                      <a:prstDash val="solid"/>
-                      <a:round/>
-                      <a:headEnd type="none" w="med" len="med"/>
-                      <a:tailEnd type="none" w="med" len="med"/>
-                    </a:lnT>
-                    <a:lnB w="12700" cap="flat" cmpd="sng" algn="ctr">
-                      <a:solidFill>
-                        <a:srgbClr val="000000"/>
-                      </a:solidFill>
-                      <a:prstDash val="solid"/>
-                      <a:round/>
-                      <a:headEnd type="none" w="med" len="med"/>
-                      <a:tailEnd type="none" w="med" len="med"/>
-                    </a:lnB>
-                  </a:tcPr>
-                </a:tc>
-                <a:extLst>
-                  <a:ext uri="{0D108BD9-81ED-4DB2-BD59-A6C34878D82A}">
-                    <a16:rowId xmlns:a16="http://schemas.microsoft.com/office/drawing/2014/main" val="1947233604"/>
-                  </a:ext>
-                </a:extLst>
-              </a:tr>
-              <a:tr h="858290">
-                <a:tc>
-                  <a:txBody>
-                    <a:bodyPr/>
-                    <a:lstStyle/>
-                    <a:p>
-                      <a:pPr algn="ctr">
-                        <a:lnSpc>
-                          <a:spcPct val="150000"/>
-                        </a:lnSpc>
-                        <a:spcAft>
-                          <a:spcPts val="0"/>
-                        </a:spcAft>
-                        <a:tabLst>
-                          <a:tab pos="2430780" algn="l"/>
-                        </a:tabLst>
-                      </a:pPr>
-                      <a:r>
-                        <a:rPr lang="en-US" sz="1600">
-                          <a:solidFill>
-                            <a:srgbClr val="000000"/>
-                          </a:solidFill>
-                          <a:effectLst/>
-                          <a:latin typeface="Times New Roman" panose="02020603050405020304" pitchFamily="18" charset="0"/>
-                          <a:ea typeface="Cordia New"/>
-                          <a:cs typeface="Times New Roman" panose="02020603050405020304" pitchFamily="18" charset="0"/>
-                        </a:rPr>
-                        <a:t>Severity Scores</a:t>
-                      </a:r>
-                      <a:endParaRPr lang="en-US" sz="1600">
-                        <a:effectLst/>
-                        <a:latin typeface="Times New Roman" panose="02020603050405020304" pitchFamily="18" charset="0"/>
-                        <a:ea typeface="Cordia New"/>
-                        <a:cs typeface="Times New Roman" panose="02020603050405020304" pitchFamily="18" charset="0"/>
-                      </a:endParaRPr>
-                    </a:p>
-                  </a:txBody>
-                  <a:tcPr marL="40794" marR="40794" marT="0" marB="0">
-                    <a:lnL w="12700" cap="flat" cmpd="sng" algn="ctr">
-                      <a:solidFill>
-                        <a:srgbClr val="000000"/>
-                      </a:solidFill>
-                      <a:prstDash val="solid"/>
-                      <a:round/>
-                      <a:headEnd type="none" w="med" len="med"/>
-                      <a:tailEnd type="none" w="med" len="med"/>
-                    </a:lnL>
-                    <a:lnR w="12700" cap="flat" cmpd="sng" algn="ctr">
-                      <a:solidFill>
-                        <a:srgbClr val="000000"/>
-                      </a:solidFill>
-                      <a:prstDash val="solid"/>
-                      <a:round/>
-                      <a:headEnd type="none" w="med" len="med"/>
-                      <a:tailEnd type="none" w="med" len="med"/>
-                    </a:lnR>
-                    <a:lnT w="12700" cap="flat" cmpd="sng" algn="ctr">
-                      <a:solidFill>
-                        <a:srgbClr val="000000"/>
-                      </a:solidFill>
-                      <a:prstDash val="solid"/>
-                      <a:round/>
-                      <a:headEnd type="none" w="med" len="med"/>
-                      <a:tailEnd type="none" w="med" len="med"/>
-                    </a:lnT>
-                    <a:lnB w="12700" cap="flat" cmpd="sng" algn="ctr">
-                      <a:solidFill>
-                        <a:srgbClr val="000000"/>
-                      </a:solidFill>
-                      <a:prstDash val="solid"/>
-                      <a:round/>
-                      <a:headEnd type="none" w="med" len="med"/>
-                      <a:tailEnd type="none" w="med" len="med"/>
-                    </a:lnB>
-                  </a:tcPr>
-                </a:tc>
-                <a:tc>
-                  <a:txBody>
-                    <a:bodyPr/>
-                    <a:lstStyle/>
-                    <a:p>
-                      <a:pPr algn="ctr">
-                        <a:lnSpc>
-                          <a:spcPct val="150000"/>
-                        </a:lnSpc>
-                        <a:spcAft>
-                          <a:spcPts val="0"/>
-                        </a:spcAft>
-                        <a:tabLst>
-                          <a:tab pos="2430780" algn="l"/>
-                        </a:tabLst>
-                      </a:pPr>
-                      <a:r>
-                        <a:rPr lang="en-US" sz="1600">
-                          <a:solidFill>
-                            <a:srgbClr val="000000"/>
-                          </a:solidFill>
-                          <a:effectLst/>
-                          <a:latin typeface="Times New Roman" panose="02020603050405020304" pitchFamily="18" charset="0"/>
-                          <a:ea typeface="Cordia New"/>
-                          <a:cs typeface="Times New Roman" panose="02020603050405020304" pitchFamily="18" charset="0"/>
-                        </a:rPr>
-                        <a:t>Severity of illness scores which summarize the acuity of a patient’s illness on admission to the intensive care unit (usually in the ﬁrst 24 hours).</a:t>
-                      </a:r>
-                      <a:endParaRPr lang="en-US" sz="1600">
-                        <a:effectLst/>
-                        <a:latin typeface="Times New Roman" panose="02020603050405020304" pitchFamily="18" charset="0"/>
-                        <a:ea typeface="Cordia New"/>
-                        <a:cs typeface="Times New Roman" panose="02020603050405020304" pitchFamily="18" charset="0"/>
-                      </a:endParaRPr>
-                    </a:p>
-                  </a:txBody>
-                  <a:tcPr marL="40794" marR="40794" marT="0" marB="0">
-                    <a:lnL w="12700" cap="flat" cmpd="sng" algn="ctr">
-                      <a:solidFill>
-                        <a:srgbClr val="000000"/>
-                      </a:solidFill>
-                      <a:prstDash val="solid"/>
-                      <a:round/>
-                      <a:headEnd type="none" w="med" len="med"/>
-                      <a:tailEnd type="none" w="med" len="med"/>
-                    </a:lnL>
-                    <a:lnR w="12700" cap="flat" cmpd="sng" algn="ctr">
-                      <a:solidFill>
-                        <a:srgbClr val="000000"/>
-                      </a:solidFill>
-                      <a:prstDash val="solid"/>
-                      <a:round/>
-                      <a:headEnd type="none" w="med" len="med"/>
-                      <a:tailEnd type="none" w="med" len="med"/>
-                    </a:lnR>
-                    <a:lnT w="12700" cap="flat" cmpd="sng" algn="ctr">
-                      <a:solidFill>
-                        <a:srgbClr val="000000"/>
-                      </a:solidFill>
-                      <a:prstDash val="solid"/>
-                      <a:round/>
-                      <a:headEnd type="none" w="med" len="med"/>
-                      <a:tailEnd type="none" w="med" len="med"/>
-                    </a:lnT>
-                    <a:lnB w="12700" cap="flat" cmpd="sng" algn="ctr">
-                      <a:solidFill>
-                        <a:srgbClr val="000000"/>
-                      </a:solidFill>
-                      <a:prstDash val="solid"/>
-                      <a:round/>
-                      <a:headEnd type="none" w="med" len="med"/>
-                      <a:tailEnd type="none" w="med" len="med"/>
-                    </a:lnB>
-                  </a:tcPr>
-                </a:tc>
-                <a:extLst>
-                  <a:ext uri="{0D108BD9-81ED-4DB2-BD59-A6C34878D82A}">
-                    <a16:rowId xmlns:a16="http://schemas.microsoft.com/office/drawing/2014/main" val="2400788277"/>
-                  </a:ext>
-                </a:extLst>
-              </a:tr>
-              <a:tr h="1502006">
-                <a:tc>
-                  <a:txBody>
-                    <a:bodyPr/>
-                    <a:lstStyle/>
-                    <a:p>
-                      <a:pPr algn="ctr">
-                        <a:lnSpc>
-                          <a:spcPct val="150000"/>
-                        </a:lnSpc>
-                        <a:spcAft>
-                          <a:spcPts val="0"/>
-                        </a:spcAft>
-                        <a:tabLst>
-                          <a:tab pos="2430780" algn="l"/>
-                        </a:tabLst>
-                      </a:pPr>
-                      <a:r>
-                        <a:rPr lang="en-US" sz="1600">
-                          <a:solidFill>
-                            <a:srgbClr val="000000"/>
-                          </a:solidFill>
-                          <a:effectLst/>
-                          <a:latin typeface="Times New Roman" panose="02020603050405020304" pitchFamily="18" charset="0"/>
-                          <a:ea typeface="Cordia New"/>
-                          <a:cs typeface="Times New Roman" panose="02020603050405020304" pitchFamily="18" charset="0"/>
-                        </a:rPr>
-                        <a:t> </a:t>
-                      </a:r>
-                      <a:endParaRPr lang="en-US" sz="1600">
-                        <a:effectLst/>
-                        <a:latin typeface="Times New Roman" panose="02020603050405020304" pitchFamily="18" charset="0"/>
-                        <a:ea typeface="Cordia New"/>
-                        <a:cs typeface="Times New Roman" panose="02020603050405020304" pitchFamily="18" charset="0"/>
-                      </a:endParaRPr>
-                    </a:p>
-                    <a:p>
-                      <a:pPr algn="ctr">
-                        <a:lnSpc>
-                          <a:spcPct val="150000"/>
-                        </a:lnSpc>
-                        <a:spcAft>
-                          <a:spcPts val="0"/>
-                        </a:spcAft>
-                        <a:tabLst>
-                          <a:tab pos="2430780" algn="l"/>
-                        </a:tabLst>
-                      </a:pPr>
-                      <a:r>
-                        <a:rPr lang="en-US" sz="1600">
-                          <a:solidFill>
-                            <a:srgbClr val="000000"/>
-                          </a:solidFill>
-                          <a:effectLst/>
-                          <a:latin typeface="Times New Roman" panose="02020603050405020304" pitchFamily="18" charset="0"/>
-                          <a:ea typeface="Cordia New"/>
-                          <a:cs typeface="Times New Roman" panose="02020603050405020304" pitchFamily="18" charset="0"/>
-                        </a:rPr>
-                        <a:t>Durations </a:t>
-                      </a:r>
-                      <a:endParaRPr lang="en-US" sz="1600">
-                        <a:effectLst/>
-                        <a:latin typeface="Times New Roman" panose="02020603050405020304" pitchFamily="18" charset="0"/>
-                        <a:ea typeface="Cordia New"/>
-                        <a:cs typeface="Times New Roman" panose="02020603050405020304" pitchFamily="18" charset="0"/>
-                      </a:endParaRPr>
-                    </a:p>
-                  </a:txBody>
-                  <a:tcPr marL="40794" marR="40794" marT="0" marB="0">
-                    <a:lnL w="12700" cap="flat" cmpd="sng" algn="ctr">
-                      <a:solidFill>
-                        <a:srgbClr val="000000"/>
-                      </a:solidFill>
-                      <a:prstDash val="solid"/>
-                      <a:round/>
-                      <a:headEnd type="none" w="med" len="med"/>
-                      <a:tailEnd type="none" w="med" len="med"/>
-                    </a:lnL>
-                    <a:lnR w="12700" cap="flat" cmpd="sng" algn="ctr">
-                      <a:solidFill>
-                        <a:srgbClr val="000000"/>
-                      </a:solidFill>
-                      <a:prstDash val="solid"/>
-                      <a:round/>
-                      <a:headEnd type="none" w="med" len="med"/>
-                      <a:tailEnd type="none" w="med" len="med"/>
-                    </a:lnR>
-                    <a:lnT w="12700" cap="flat" cmpd="sng" algn="ctr">
-                      <a:solidFill>
-                        <a:srgbClr val="000000"/>
-                      </a:solidFill>
-                      <a:prstDash val="solid"/>
-                      <a:round/>
-                      <a:headEnd type="none" w="med" len="med"/>
-                      <a:tailEnd type="none" w="med" len="med"/>
-                    </a:lnT>
-                    <a:lnB w="12700" cap="flat" cmpd="sng" algn="ctr">
-                      <a:solidFill>
-                        <a:srgbClr val="000000"/>
-                      </a:solidFill>
-                      <a:prstDash val="solid"/>
-                      <a:round/>
-                      <a:headEnd type="none" w="med" len="med"/>
-                      <a:tailEnd type="none" w="med" len="med"/>
-                    </a:lnB>
-                  </a:tcPr>
-                </a:tc>
-                <a:tc>
-                  <a:txBody>
-                    <a:bodyPr/>
-                    <a:lstStyle/>
-                    <a:p>
-                      <a:pPr algn="ctr">
-                        <a:lnSpc>
-                          <a:spcPct val="150000"/>
-                        </a:lnSpc>
-                        <a:spcAft>
-                          <a:spcPts val="0"/>
-                        </a:spcAft>
-                        <a:tabLst>
-                          <a:tab pos="2430780" algn="l"/>
-                        </a:tabLst>
-                      </a:pPr>
-                      <a:r>
-                        <a:rPr lang="en-US" sz="1600">
-                          <a:solidFill>
-                            <a:srgbClr val="000000"/>
-                          </a:solidFill>
-                          <a:effectLst/>
-                          <a:latin typeface="Times New Roman" panose="02020603050405020304" pitchFamily="18" charset="0"/>
-                          <a:ea typeface="Cordia New"/>
-                          <a:cs typeface="Times New Roman" panose="02020603050405020304" pitchFamily="18" charset="0"/>
-                        </a:rPr>
-                        <a:t>Start and stop times for administration of various treatments or durations of various phenomena, including: medical agents which have a vasoactive effect on a patient’s circulatory system, continuous renal replacement therapy (CRRT), and mechanical ventilation.</a:t>
-                      </a:r>
-                      <a:endParaRPr lang="en-US" sz="1600">
-                        <a:effectLst/>
-                        <a:latin typeface="Times New Roman" panose="02020603050405020304" pitchFamily="18" charset="0"/>
-                        <a:ea typeface="Cordia New"/>
-                        <a:cs typeface="Times New Roman" panose="02020603050405020304" pitchFamily="18" charset="0"/>
-                      </a:endParaRPr>
-                    </a:p>
-                  </a:txBody>
-                  <a:tcPr marL="40794" marR="40794" marT="0" marB="0">
-                    <a:lnL w="12700" cap="flat" cmpd="sng" algn="ctr">
-                      <a:solidFill>
-                        <a:srgbClr val="000000"/>
-                      </a:solidFill>
-                      <a:prstDash val="solid"/>
-                      <a:round/>
-                      <a:headEnd type="none" w="med" len="med"/>
-                      <a:tailEnd type="none" w="med" len="med"/>
-                    </a:lnL>
-                    <a:lnR w="12700" cap="flat" cmpd="sng" algn="ctr">
-                      <a:solidFill>
-                        <a:srgbClr val="000000"/>
-                      </a:solidFill>
-                      <a:prstDash val="solid"/>
-                      <a:round/>
-                      <a:headEnd type="none" w="med" len="med"/>
-                      <a:tailEnd type="none" w="med" len="med"/>
-                    </a:lnR>
-                    <a:lnT w="12700" cap="flat" cmpd="sng" algn="ctr">
-                      <a:solidFill>
-                        <a:srgbClr val="000000"/>
-                      </a:solidFill>
-                      <a:prstDash val="solid"/>
-                      <a:round/>
-                      <a:headEnd type="none" w="med" len="med"/>
-                      <a:tailEnd type="none" w="med" len="med"/>
-                    </a:lnT>
-                    <a:lnB w="12700" cap="flat" cmpd="sng" algn="ctr">
-                      <a:solidFill>
-                        <a:srgbClr val="000000"/>
-                      </a:solidFill>
-                      <a:prstDash val="solid"/>
-                      <a:round/>
-                      <a:headEnd type="none" w="med" len="med"/>
-                      <a:tailEnd type="none" w="med" len="med"/>
-                    </a:lnB>
-                  </a:tcPr>
-                </a:tc>
-                <a:extLst>
-                  <a:ext uri="{0D108BD9-81ED-4DB2-BD59-A6C34878D82A}">
-                    <a16:rowId xmlns:a16="http://schemas.microsoft.com/office/drawing/2014/main" val="699754885"/>
-                  </a:ext>
-                </a:extLst>
-              </a:tr>
-              <a:tr h="343419">
-                <a:tc>
-                  <a:txBody>
-                    <a:bodyPr/>
-                    <a:lstStyle/>
-                    <a:p>
-                      <a:pPr algn="ctr">
-                        <a:lnSpc>
-                          <a:spcPct val="150000"/>
-                        </a:lnSpc>
-                        <a:spcAft>
-                          <a:spcPts val="0"/>
-                        </a:spcAft>
-                        <a:tabLst>
-                          <a:tab pos="2430780" algn="l"/>
-                        </a:tabLst>
-                      </a:pPr>
-                      <a:r>
-                        <a:rPr lang="en-US" sz="1600">
-                          <a:solidFill>
-                            <a:srgbClr val="000000"/>
-                          </a:solidFill>
-                          <a:effectLst/>
-                          <a:latin typeface="Times New Roman" panose="02020603050405020304" pitchFamily="18" charset="0"/>
-                          <a:ea typeface="Cordia New"/>
-                          <a:cs typeface="Times New Roman" panose="02020603050405020304" pitchFamily="18" charset="0"/>
-                        </a:rPr>
-                        <a:t>Organ Failure</a:t>
-                      </a:r>
-                      <a:endParaRPr lang="en-US" sz="1600">
-                        <a:effectLst/>
-                        <a:latin typeface="Times New Roman" panose="02020603050405020304" pitchFamily="18" charset="0"/>
-                        <a:ea typeface="Cordia New"/>
-                        <a:cs typeface="Times New Roman" panose="02020603050405020304" pitchFamily="18" charset="0"/>
-                      </a:endParaRPr>
-                    </a:p>
-                  </a:txBody>
-                  <a:tcPr marL="40794" marR="40794" marT="0" marB="0">
-                    <a:lnL w="12700" cap="flat" cmpd="sng" algn="ctr">
-                      <a:solidFill>
-                        <a:srgbClr val="000000"/>
-                      </a:solidFill>
-                      <a:prstDash val="solid"/>
-                      <a:round/>
-                      <a:headEnd type="none" w="med" len="med"/>
-                      <a:tailEnd type="none" w="med" len="med"/>
-                    </a:lnL>
-                    <a:lnR w="12700" cap="flat" cmpd="sng" algn="ctr">
-                      <a:solidFill>
-                        <a:srgbClr val="000000"/>
-                      </a:solidFill>
-                      <a:prstDash val="solid"/>
-                      <a:round/>
-                      <a:headEnd type="none" w="med" len="med"/>
-                      <a:tailEnd type="none" w="med" len="med"/>
-                    </a:lnR>
-                    <a:lnT w="12700" cap="flat" cmpd="sng" algn="ctr">
-                      <a:solidFill>
-                        <a:srgbClr val="000000"/>
-                      </a:solidFill>
-                      <a:prstDash val="solid"/>
-                      <a:round/>
-                      <a:headEnd type="none" w="med" len="med"/>
-                      <a:tailEnd type="none" w="med" len="med"/>
-                    </a:lnT>
-                    <a:lnB w="12700" cap="flat" cmpd="sng" algn="ctr">
-                      <a:solidFill>
-                        <a:srgbClr val="000000"/>
-                      </a:solidFill>
-                      <a:prstDash val="solid"/>
-                      <a:round/>
-                      <a:headEnd type="none" w="med" len="med"/>
-                      <a:tailEnd type="none" w="med" len="med"/>
-                    </a:lnB>
-                  </a:tcPr>
-                </a:tc>
-                <a:tc>
-                  <a:txBody>
-                    <a:bodyPr/>
-                    <a:lstStyle/>
-                    <a:p>
-                      <a:pPr algn="ctr">
-                        <a:lnSpc>
-                          <a:spcPct val="150000"/>
-                        </a:lnSpc>
-                        <a:spcAft>
-                          <a:spcPts val="0"/>
-                        </a:spcAft>
-                        <a:tabLst>
-                          <a:tab pos="2430780" algn="l"/>
-                        </a:tabLst>
-                      </a:pPr>
-                      <a:r>
-                        <a:rPr lang="en-US" sz="1600" dirty="0">
-                          <a:solidFill>
-                            <a:srgbClr val="000000"/>
-                          </a:solidFill>
-                          <a:effectLst/>
-                          <a:latin typeface="Times New Roman" panose="02020603050405020304" pitchFamily="18" charset="0"/>
-                          <a:ea typeface="Cordia New"/>
-                          <a:cs typeface="Times New Roman" panose="02020603050405020304" pitchFamily="18" charset="0"/>
-                        </a:rPr>
-                        <a:t>This script derives binary flags for major organ failures</a:t>
-                      </a:r>
-                      <a:endParaRPr lang="en-US" sz="1600" dirty="0">
-                        <a:effectLst/>
-                        <a:latin typeface="Times New Roman" panose="02020603050405020304" pitchFamily="18" charset="0"/>
-                        <a:ea typeface="Cordia New"/>
-                        <a:cs typeface="Times New Roman" panose="02020603050405020304" pitchFamily="18" charset="0"/>
-                      </a:endParaRPr>
-                    </a:p>
-                  </a:txBody>
-                  <a:tcPr marL="40794" marR="40794" marT="0" marB="0">
-                    <a:lnL w="12700" cap="flat" cmpd="sng" algn="ctr">
-                      <a:solidFill>
-                        <a:srgbClr val="000000"/>
-                      </a:solidFill>
-                      <a:prstDash val="solid"/>
-                      <a:round/>
-                      <a:headEnd type="none" w="med" len="med"/>
-                      <a:tailEnd type="none" w="med" len="med"/>
-                    </a:lnL>
-                    <a:lnR w="12700" cap="flat" cmpd="sng" algn="ctr">
-                      <a:solidFill>
-                        <a:srgbClr val="000000"/>
-                      </a:solidFill>
-                      <a:prstDash val="solid"/>
-                      <a:round/>
-                      <a:headEnd type="none" w="med" len="med"/>
-                      <a:tailEnd type="none" w="med" len="med"/>
-                    </a:lnR>
-                    <a:lnT w="12700" cap="flat" cmpd="sng" algn="ctr">
-                      <a:solidFill>
-                        <a:srgbClr val="000000"/>
-                      </a:solidFill>
-                      <a:prstDash val="solid"/>
-                      <a:round/>
-                      <a:headEnd type="none" w="med" len="med"/>
-                      <a:tailEnd type="none" w="med" len="med"/>
-                    </a:lnT>
-                    <a:lnB w="12700" cap="flat" cmpd="sng" algn="ctr">
-                      <a:solidFill>
-                        <a:srgbClr val="000000"/>
-                      </a:solidFill>
-                      <a:prstDash val="solid"/>
-                      <a:round/>
-                      <a:headEnd type="none" w="med" len="med"/>
-                      <a:tailEnd type="none" w="med" len="med"/>
-                    </a:lnB>
-                  </a:tcPr>
-                </a:tc>
-                <a:extLst>
-                  <a:ext uri="{0D108BD9-81ED-4DB2-BD59-A6C34878D82A}">
-                    <a16:rowId xmlns:a16="http://schemas.microsoft.com/office/drawing/2014/main" val="343266407"/>
-                  </a:ext>
-                </a:extLst>
-              </a:tr>
-            </a:tbl>
-          </a:graphicData>
-        </a:graphic>
-      </p:graphicFrame>
-    </p:spTree>
-    <p:extLst>
-      <p:ext uri="{BB962C8B-B14F-4D97-AF65-F5344CB8AC3E}">
-        <p14:creationId xmlns:p14="http://schemas.microsoft.com/office/powerpoint/2010/main" val="3396545139"/>
-      </p:ext>
-    </p:extLst>
-  </p:cSld>
-  <p:clrMapOvr>
-    <a:masterClrMapping/>
-  </p:clrMapOvr>
-  <p:timing>
-    <p:tnLst>
-      <p:par>
-        <p:cTn id="1" dur="indefinite" restart="never" nodeType="tmRoot"/>
-      </p:par>
-    </p:tnLst>
-  </p:timing>
-</p:sld>
-</file>
-
-<file path=ppt/slides/slide5.xml><?xml version="1.0" encoding="utf-8"?>
-<p:sld xmlns:a="http://schemas.openxmlformats.org/drawingml/2006/main" xmlns:r="http://schemas.openxmlformats.org/officeDocument/2006/relationships" xmlns:p="http://schemas.openxmlformats.org/presentationml/2006/main">
-  <p:cSld>
-    <p:spTree>
-      <p:nvGrpSpPr>
-        <p:cNvPr id="1" name=""/>
-        <p:cNvGrpSpPr/>
-        <p:nvPr/>
-      </p:nvGrpSpPr>
-      <p:grpSpPr>
-        <a:xfrm>
-          <a:off x="0" y="0"/>
-          <a:ext cx="0" cy="0"/>
-          <a:chOff x="0" y="0"/>
-          <a:chExt cx="0" cy="0"/>
-        </a:xfrm>
-      </p:grpSpPr>
-      <p:sp>
-        <p:nvSpPr>
-          <p:cNvPr id="2" name="Title 1"/>
-          <p:cNvSpPr>
-            <a:spLocks noGrp="1"/>
-          </p:cNvSpPr>
-          <p:nvPr>
-            <p:ph type="title"/>
-          </p:nvPr>
-        </p:nvSpPr>
-        <p:spPr/>
-        <p:txBody>
-          <a:bodyPr/>
-          <a:lstStyle/>
-          <a:p>
-            <a:r>
-              <a:rPr lang="en-US" dirty="0" smtClean="0"/>
-              <a:t>Our Features	</a:t>
-            </a:r>
-            <a:endParaRPr lang="en-US" dirty="0"/>
-          </a:p>
-        </p:txBody>
-      </p:sp>
-      <p:sp>
-        <p:nvSpPr>
-          <p:cNvPr id="3" name="Content Placeholder 2"/>
-          <p:cNvSpPr>
-            <a:spLocks noGrp="1"/>
-          </p:cNvSpPr>
-          <p:nvPr>
-            <p:ph idx="1"/>
-          </p:nvPr>
-        </p:nvSpPr>
-        <p:spPr>
-          <a:xfrm>
-            <a:off x="838199" y="1825625"/>
-            <a:ext cx="10924309" cy="4351338"/>
-          </a:xfrm>
-        </p:spPr>
-        <p:txBody>
-          <a:bodyPr>
-            <a:normAutofit/>
-          </a:bodyPr>
-          <a:lstStyle/>
-          <a:p>
-            <a:r>
-              <a:rPr lang="en-US" sz="2400" dirty="0" smtClean="0"/>
-              <a:t>Demographics - </a:t>
-            </a:r>
-            <a:r>
-              <a:rPr lang="en-US" sz="2400" dirty="0" err="1" smtClean="0"/>
-              <a:t>insurance,marital_status</a:t>
-            </a:r>
-            <a:r>
-              <a:rPr lang="en-US" sz="2400" dirty="0" smtClean="0"/>
-              <a:t>, gender</a:t>
-            </a:r>
-          </a:p>
-          <a:p>
-            <a:r>
-              <a:rPr lang="en-US" sz="2400" dirty="0" smtClean="0"/>
-              <a:t> Admissions (Package, Chart)</a:t>
-            </a:r>
-          </a:p>
-          <a:p>
-            <a:r>
-              <a:rPr lang="en-US" sz="2400" dirty="0" smtClean="0"/>
-              <a:t>ICU Stays (Services)</a:t>
-            </a:r>
-          </a:p>
-          <a:p>
-            <a:r>
-              <a:rPr lang="en-US" sz="2400" dirty="0" smtClean="0"/>
-              <a:t>Lab Events (</a:t>
-            </a:r>
-            <a:r>
-              <a:rPr lang="en-US" sz="2400" dirty="0" err="1" smtClean="0"/>
-              <a:t>PlateletCount,RedBloodCells,WhiteBloodCells</a:t>
-            </a:r>
-            <a:r>
-              <a:rPr lang="en-US" sz="2400" dirty="0" smtClean="0"/>
-              <a:t> </a:t>
-            </a:r>
-            <a:r>
-              <a:rPr lang="en-US" sz="2400" dirty="0" err="1" smtClean="0"/>
-              <a:t>etc</a:t>
-            </a:r>
-            <a:r>
-              <a:rPr lang="en-US" sz="2400" dirty="0" smtClean="0"/>
-              <a:t>)</a:t>
-            </a:r>
-          </a:p>
-          <a:p>
-            <a:r>
-              <a:rPr lang="en-US" sz="2400" dirty="0" smtClean="0"/>
-              <a:t>Chart Events (BP, Services, Caregiver)</a:t>
-            </a:r>
-          </a:p>
-          <a:p>
-            <a:r>
-              <a:rPr lang="en-US" sz="2400" dirty="0" err="1" smtClean="0"/>
-              <a:t>Dervied</a:t>
-            </a:r>
-            <a:r>
-              <a:rPr lang="en-US" sz="2400" dirty="0" smtClean="0"/>
-              <a:t> Concepts: Organ Failures and Major Diseases</a:t>
-            </a:r>
-          </a:p>
-          <a:p>
-            <a:endParaRPr lang="en-US" sz="2400" dirty="0"/>
-          </a:p>
-          <a:p>
-            <a:r>
-              <a:rPr lang="en-US" sz="2400" dirty="0" smtClean="0"/>
-              <a:t>ICD-9 Code = 996 for complications (Main class) will later extend to specific complication</a:t>
-            </a:r>
-            <a:endParaRPr lang="en-US" sz="2400" dirty="0"/>
-          </a:p>
-        </p:txBody>
-      </p:sp>
-    </p:spTree>
-    <p:extLst>
-      <p:ext uri="{BB962C8B-B14F-4D97-AF65-F5344CB8AC3E}">
-        <p14:creationId xmlns:p14="http://schemas.microsoft.com/office/powerpoint/2010/main" val="175532449"/>
-      </p:ext>
-    </p:extLst>
-  </p:cSld>
-  <p:clrMapOvr>
-    <a:masterClrMapping/>
-  </p:clrMapOvr>
-  <p:timing>
-    <p:tnLst>
-      <p:par>
-        <p:cTn id="1" dur="indefinite" restart="never" nodeType="tmRoot"/>
-      </p:par>
-    </p:tnLst>
-  </p:timing>
-</p:sld>
-</file>
-
-<file path=ppt/slides/slide6.xml><?xml version="1.0" encoding="utf-8"?>
-<p:sld xmlns:a="http://schemas.openxmlformats.org/drawingml/2006/main" xmlns:r="http://schemas.openxmlformats.org/officeDocument/2006/relationships" xmlns:p="http://schemas.openxmlformats.org/presentationml/2006/main">
-  <p:cSld>
-    <p:spTree>
-      <p:nvGrpSpPr>
-        <p:cNvPr id="1" name=""/>
-        <p:cNvGrpSpPr/>
-        <p:nvPr/>
-      </p:nvGrpSpPr>
-      <p:grpSpPr>
-        <a:xfrm>
-          <a:off x="0" y="0"/>
-          <a:ext cx="0" cy="0"/>
-          <a:chOff x="0" y="0"/>
-          <a:chExt cx="0" cy="0"/>
-        </a:xfrm>
-      </p:grpSpPr>
-      <p:pic>
-        <p:nvPicPr>
           <p:cNvPr id="3" name="Picture 2"/>
           <p:cNvPicPr>
             <a:picLocks noChangeAspect="1"/>
